--- a/thesis/论文.pptx
+++ b/thesis/论文.pptx
@@ -9,6 +9,10 @@
     <p:sldId id="258" r:id="rId3"/>
     <p:sldId id="256" r:id="rId4"/>
     <p:sldId id="259" r:id="rId5"/>
+    <p:sldId id="260" r:id="rId6"/>
+    <p:sldId id="261" r:id="rId7"/>
+    <p:sldId id="262" r:id="rId8"/>
+    <p:sldId id="263" r:id="rId9"/>
   </p:sldIdLst>
   <p:sldSz cx="12192000" cy="6858000"/>
   <p:notesSz cx="6858000" cy="9144000"/>
@@ -257,7 +261,7 @@
           <a:p>
             <a:fld id="{BC4D6BC3-D992-4E9D-B208-586F66FBB427}" type="datetimeFigureOut">
               <a:rPr lang="zh-CN" altLang="en-US" smtClean="0"/>
-              <a:t>2019/5/18</a:t>
+              <a:t>2019/5/22</a:t>
             </a:fld>
             <a:endParaRPr lang="zh-CN" altLang="en-US"/>
           </a:p>
@@ -427,7 +431,7 @@
           <a:p>
             <a:fld id="{BC4D6BC3-D992-4E9D-B208-586F66FBB427}" type="datetimeFigureOut">
               <a:rPr lang="zh-CN" altLang="en-US" smtClean="0"/>
-              <a:t>2019/5/18</a:t>
+              <a:t>2019/5/22</a:t>
             </a:fld>
             <a:endParaRPr lang="zh-CN" altLang="en-US"/>
           </a:p>
@@ -607,7 +611,7 @@
           <a:p>
             <a:fld id="{BC4D6BC3-D992-4E9D-B208-586F66FBB427}" type="datetimeFigureOut">
               <a:rPr lang="zh-CN" altLang="en-US" smtClean="0"/>
-              <a:t>2019/5/18</a:t>
+              <a:t>2019/5/22</a:t>
             </a:fld>
             <a:endParaRPr lang="zh-CN" altLang="en-US"/>
           </a:p>
@@ -777,7 +781,7 @@
           <a:p>
             <a:fld id="{BC4D6BC3-D992-4E9D-B208-586F66FBB427}" type="datetimeFigureOut">
               <a:rPr lang="zh-CN" altLang="en-US" smtClean="0"/>
-              <a:t>2019/5/18</a:t>
+              <a:t>2019/5/22</a:t>
             </a:fld>
             <a:endParaRPr lang="zh-CN" altLang="en-US"/>
           </a:p>
@@ -1023,7 +1027,7 @@
           <a:p>
             <a:fld id="{BC4D6BC3-D992-4E9D-B208-586F66FBB427}" type="datetimeFigureOut">
               <a:rPr lang="zh-CN" altLang="en-US" smtClean="0"/>
-              <a:t>2019/5/18</a:t>
+              <a:t>2019/5/22</a:t>
             </a:fld>
             <a:endParaRPr lang="zh-CN" altLang="en-US"/>
           </a:p>
@@ -1255,7 +1259,7 @@
           <a:p>
             <a:fld id="{BC4D6BC3-D992-4E9D-B208-586F66FBB427}" type="datetimeFigureOut">
               <a:rPr lang="zh-CN" altLang="en-US" smtClean="0"/>
-              <a:t>2019/5/18</a:t>
+              <a:t>2019/5/22</a:t>
             </a:fld>
             <a:endParaRPr lang="zh-CN" altLang="en-US"/>
           </a:p>
@@ -1622,7 +1626,7 @@
           <a:p>
             <a:fld id="{BC4D6BC3-D992-4E9D-B208-586F66FBB427}" type="datetimeFigureOut">
               <a:rPr lang="zh-CN" altLang="en-US" smtClean="0"/>
-              <a:t>2019/5/18</a:t>
+              <a:t>2019/5/22</a:t>
             </a:fld>
             <a:endParaRPr lang="zh-CN" altLang="en-US"/>
           </a:p>
@@ -1740,7 +1744,7 @@
           <a:p>
             <a:fld id="{BC4D6BC3-D992-4E9D-B208-586F66FBB427}" type="datetimeFigureOut">
               <a:rPr lang="zh-CN" altLang="en-US" smtClean="0"/>
-              <a:t>2019/5/18</a:t>
+              <a:t>2019/5/22</a:t>
             </a:fld>
             <a:endParaRPr lang="zh-CN" altLang="en-US"/>
           </a:p>
@@ -1835,7 +1839,7 @@
           <a:p>
             <a:fld id="{BC4D6BC3-D992-4E9D-B208-586F66FBB427}" type="datetimeFigureOut">
               <a:rPr lang="zh-CN" altLang="en-US" smtClean="0"/>
-              <a:t>2019/5/18</a:t>
+              <a:t>2019/5/22</a:t>
             </a:fld>
             <a:endParaRPr lang="zh-CN" altLang="en-US"/>
           </a:p>
@@ -2112,7 +2116,7 @@
           <a:p>
             <a:fld id="{BC4D6BC3-D992-4E9D-B208-586F66FBB427}" type="datetimeFigureOut">
               <a:rPr lang="zh-CN" altLang="en-US" smtClean="0"/>
-              <a:t>2019/5/18</a:t>
+              <a:t>2019/5/22</a:t>
             </a:fld>
             <a:endParaRPr lang="zh-CN" altLang="en-US"/>
           </a:p>
@@ -2365,7 +2369,7 @@
           <a:p>
             <a:fld id="{BC4D6BC3-D992-4E9D-B208-586F66FBB427}" type="datetimeFigureOut">
               <a:rPr lang="zh-CN" altLang="en-US" smtClean="0"/>
-              <a:t>2019/5/18</a:t>
+              <a:t>2019/5/22</a:t>
             </a:fld>
             <a:endParaRPr lang="zh-CN" altLang="en-US"/>
           </a:p>
@@ -2578,7 +2582,7 @@
           <a:p>
             <a:fld id="{BC4D6BC3-D992-4E9D-B208-586F66FBB427}" type="datetimeFigureOut">
               <a:rPr lang="zh-CN" altLang="en-US" smtClean="0"/>
-              <a:t>2019/5/18</a:t>
+              <a:t>2019/5/22</a:t>
             </a:fld>
             <a:endParaRPr lang="zh-CN" altLang="en-US"/>
           </a:p>
@@ -2985,23 +2989,684 @@
       </p:grpSpPr>
       <p:sp>
         <p:nvSpPr>
-          <p:cNvPr id="2" name="标题 1"/>
-          <p:cNvSpPr>
-            <a:spLocks noGrp="1"/>
-          </p:cNvSpPr>
-          <p:nvPr>
-            <p:ph type="title"/>
-          </p:nvPr>
-        </p:nvSpPr>
-        <p:spPr/>
-        <p:txBody>
-          <a:bodyPr/>
-          <a:lstStyle/>
-          <a:p>
-            <a:endParaRPr lang="zh-CN" altLang="en-US" dirty="0"/>
-          </a:p>
-        </p:txBody>
-      </p:sp>
+          <p:cNvPr id="15" name="圆角矩形 14"/>
+          <p:cNvSpPr/>
+          <p:nvPr/>
+        </p:nvSpPr>
+        <p:spPr>
+          <a:xfrm>
+            <a:off x="5508557" y="1146579"/>
+            <a:ext cx="1515292" cy="3469664"/>
+          </a:xfrm>
+          <a:prstGeom prst="roundRect">
+            <a:avLst/>
+          </a:prstGeom>
+          <a:solidFill>
+            <a:schemeClr val="accent6">
+              <a:lumMod val="60000"/>
+              <a:lumOff val="40000"/>
+            </a:schemeClr>
+          </a:solidFill>
+        </p:spPr>
+        <p:style>
+          <a:lnRef idx="2">
+            <a:schemeClr val="accent1">
+              <a:shade val="50000"/>
+            </a:schemeClr>
+          </a:lnRef>
+          <a:fillRef idx="1">
+            <a:schemeClr val="accent1"/>
+          </a:fillRef>
+          <a:effectRef idx="0">
+            <a:schemeClr val="accent1"/>
+          </a:effectRef>
+          <a:fontRef idx="minor">
+            <a:schemeClr val="lt1"/>
+          </a:fontRef>
+        </p:style>
+        <p:txBody>
+          <a:bodyPr rtlCol="0" anchor="ctr"/>
+          <a:lstStyle/>
+          <a:p>
+            <a:pPr algn="ctr"/>
+            <a:endParaRPr lang="en-US" altLang="zh-CN" dirty="0" smtClean="0"/>
+          </a:p>
+          <a:p>
+            <a:pPr algn="ctr"/>
+            <a:endParaRPr lang="en-US" altLang="zh-CN" dirty="0"/>
+          </a:p>
+          <a:p>
+            <a:pPr algn="ctr"/>
+            <a:endParaRPr lang="en-US" altLang="zh-CN" dirty="0" smtClean="0"/>
+          </a:p>
+          <a:p>
+            <a:pPr algn="ctr"/>
+            <a:endParaRPr lang="en-US" altLang="zh-CN" dirty="0"/>
+          </a:p>
+          <a:p>
+            <a:pPr algn="ctr"/>
+            <a:endParaRPr lang="en-US" altLang="zh-CN" dirty="0" smtClean="0"/>
+          </a:p>
+          <a:p>
+            <a:pPr algn="ctr"/>
+            <a:endParaRPr lang="en-US" altLang="zh-CN" dirty="0"/>
+          </a:p>
+          <a:p>
+            <a:pPr algn="ctr"/>
+            <a:endParaRPr lang="en-US" altLang="zh-CN" dirty="0" smtClean="0"/>
+          </a:p>
+          <a:p>
+            <a:pPr algn="ctr"/>
+            <a:endParaRPr lang="en-US" altLang="zh-CN" dirty="0"/>
+          </a:p>
+          <a:p>
+            <a:pPr algn="ctr"/>
+            <a:endParaRPr lang="en-US" altLang="zh-CN" dirty="0" smtClean="0"/>
+          </a:p>
+          <a:p>
+            <a:pPr algn="ctr"/>
+            <a:endParaRPr lang="en-US" altLang="zh-CN" dirty="0"/>
+          </a:p>
+          <a:p>
+            <a:pPr algn="ctr"/>
+            <a:endParaRPr lang="en-US" altLang="zh-CN" dirty="0" smtClean="0"/>
+          </a:p>
+          <a:p>
+            <a:pPr algn="ctr"/>
+            <a:r>
+              <a:rPr lang="zh-CN" altLang="en-US" sz="2400" b="1" dirty="0" smtClean="0">
+                <a:solidFill>
+                  <a:schemeClr val="tx1"/>
+                </a:solidFill>
+              </a:rPr>
+              <a:t>数据库</a:t>
+            </a:r>
+            <a:endParaRPr lang="zh-CN" altLang="en-US" sz="2400" b="1" dirty="0">
+              <a:solidFill>
+                <a:schemeClr val="tx1"/>
+              </a:solidFill>
+            </a:endParaRPr>
+          </a:p>
+        </p:txBody>
+      </p:sp>
+      <p:sp>
+        <p:nvSpPr>
+          <p:cNvPr id="14" name="圆角矩形 13"/>
+          <p:cNvSpPr/>
+          <p:nvPr/>
+        </p:nvSpPr>
+        <p:spPr>
+          <a:xfrm>
+            <a:off x="3056708" y="1146579"/>
+            <a:ext cx="1515292" cy="3469664"/>
+          </a:xfrm>
+          <a:prstGeom prst="roundRect">
+            <a:avLst/>
+          </a:prstGeom>
+          <a:solidFill>
+            <a:schemeClr val="accent4">
+              <a:lumMod val="60000"/>
+              <a:lumOff val="40000"/>
+            </a:schemeClr>
+          </a:solidFill>
+        </p:spPr>
+        <p:style>
+          <a:lnRef idx="2">
+            <a:schemeClr val="accent1">
+              <a:shade val="50000"/>
+            </a:schemeClr>
+          </a:lnRef>
+          <a:fillRef idx="1">
+            <a:schemeClr val="accent1"/>
+          </a:fillRef>
+          <a:effectRef idx="0">
+            <a:schemeClr val="accent1"/>
+          </a:effectRef>
+          <a:fontRef idx="minor">
+            <a:schemeClr val="lt1"/>
+          </a:fontRef>
+        </p:style>
+        <p:txBody>
+          <a:bodyPr rtlCol="0" anchor="ctr"/>
+          <a:lstStyle/>
+          <a:p>
+            <a:pPr algn="ctr"/>
+            <a:endParaRPr lang="en-US" altLang="zh-CN" dirty="0" smtClean="0"/>
+          </a:p>
+          <a:p>
+            <a:pPr algn="ctr"/>
+            <a:endParaRPr lang="en-US" altLang="zh-CN" dirty="0"/>
+          </a:p>
+          <a:p>
+            <a:pPr algn="ctr"/>
+            <a:endParaRPr lang="en-US" altLang="zh-CN" dirty="0" smtClean="0"/>
+          </a:p>
+          <a:p>
+            <a:pPr algn="ctr"/>
+            <a:endParaRPr lang="en-US" altLang="zh-CN" dirty="0"/>
+          </a:p>
+          <a:p>
+            <a:pPr algn="ctr"/>
+            <a:endParaRPr lang="en-US" altLang="zh-CN" dirty="0" smtClean="0"/>
+          </a:p>
+          <a:p>
+            <a:pPr algn="ctr"/>
+            <a:endParaRPr lang="en-US" altLang="zh-CN" dirty="0"/>
+          </a:p>
+          <a:p>
+            <a:pPr algn="ctr"/>
+            <a:endParaRPr lang="en-US" altLang="zh-CN" dirty="0" smtClean="0"/>
+          </a:p>
+          <a:p>
+            <a:pPr algn="ctr"/>
+            <a:endParaRPr lang="en-US" altLang="zh-CN" dirty="0"/>
+          </a:p>
+          <a:p>
+            <a:pPr algn="ctr"/>
+            <a:endParaRPr lang="en-US" altLang="zh-CN" dirty="0" smtClean="0"/>
+          </a:p>
+          <a:p>
+            <a:pPr algn="ctr"/>
+            <a:endParaRPr lang="en-US" altLang="zh-CN" dirty="0"/>
+          </a:p>
+          <a:p>
+            <a:pPr algn="ctr"/>
+            <a:endParaRPr lang="en-US" altLang="zh-CN" dirty="0" smtClean="0"/>
+          </a:p>
+          <a:p>
+            <a:pPr algn="ctr"/>
+            <a:r>
+              <a:rPr lang="en-US" altLang="zh-CN" sz="2400" b="1" dirty="0" smtClean="0">
+                <a:solidFill>
+                  <a:schemeClr val="tx1"/>
+                </a:solidFill>
+              </a:rPr>
+              <a:t>ORM</a:t>
+            </a:r>
+            <a:endParaRPr lang="zh-CN" altLang="en-US" b="1" dirty="0">
+              <a:solidFill>
+                <a:schemeClr val="tx1"/>
+              </a:solidFill>
+            </a:endParaRPr>
+          </a:p>
+        </p:txBody>
+      </p:sp>
+      <p:sp>
+        <p:nvSpPr>
+          <p:cNvPr id="5" name="圆角矩形 4"/>
+          <p:cNvSpPr/>
+          <p:nvPr/>
+        </p:nvSpPr>
+        <p:spPr>
+          <a:xfrm>
+            <a:off x="3274471" y="1354967"/>
+            <a:ext cx="1057985" cy="603580"/>
+          </a:xfrm>
+          <a:prstGeom prst="roundRect">
+            <a:avLst/>
+          </a:prstGeom>
+          <a:solidFill>
+            <a:schemeClr val="accent6">
+              <a:lumMod val="20000"/>
+              <a:lumOff val="80000"/>
+            </a:schemeClr>
+          </a:solidFill>
+          <a:ln>
+            <a:solidFill>
+              <a:schemeClr val="tx1"/>
+            </a:solidFill>
+          </a:ln>
+        </p:spPr>
+        <p:style>
+          <a:lnRef idx="2">
+            <a:schemeClr val="accent1">
+              <a:shade val="50000"/>
+            </a:schemeClr>
+          </a:lnRef>
+          <a:fillRef idx="1">
+            <a:schemeClr val="accent1"/>
+          </a:fillRef>
+          <a:effectRef idx="0">
+            <a:schemeClr val="accent1"/>
+          </a:effectRef>
+          <a:fontRef idx="minor">
+            <a:schemeClr val="lt1"/>
+          </a:fontRef>
+        </p:style>
+        <p:txBody>
+          <a:bodyPr rtlCol="0" anchor="ctr"/>
+          <a:lstStyle/>
+          <a:p>
+            <a:pPr algn="ctr"/>
+            <a:r>
+              <a:rPr lang="zh-CN" altLang="en-US" dirty="0" smtClean="0">
+                <a:solidFill>
+                  <a:schemeClr val="tx1"/>
+                </a:solidFill>
+              </a:rPr>
+              <a:t>类</a:t>
+            </a:r>
+            <a:endParaRPr lang="zh-CN" altLang="en-US" dirty="0">
+              <a:solidFill>
+                <a:schemeClr val="tx1"/>
+              </a:solidFill>
+            </a:endParaRPr>
+          </a:p>
+        </p:txBody>
+      </p:sp>
+      <p:sp>
+        <p:nvSpPr>
+          <p:cNvPr id="7" name="圆角矩形 6"/>
+          <p:cNvSpPr/>
+          <p:nvPr/>
+        </p:nvSpPr>
+        <p:spPr>
+          <a:xfrm>
+            <a:off x="5746554" y="1350060"/>
+            <a:ext cx="1057985" cy="603580"/>
+          </a:xfrm>
+          <a:prstGeom prst="roundRect">
+            <a:avLst/>
+          </a:prstGeom>
+          <a:solidFill>
+            <a:schemeClr val="accent6">
+              <a:lumMod val="20000"/>
+              <a:lumOff val="80000"/>
+            </a:schemeClr>
+          </a:solidFill>
+          <a:ln>
+            <a:solidFill>
+              <a:schemeClr val="tx1"/>
+            </a:solidFill>
+          </a:ln>
+        </p:spPr>
+        <p:style>
+          <a:lnRef idx="2">
+            <a:schemeClr val="accent1">
+              <a:shade val="50000"/>
+            </a:schemeClr>
+          </a:lnRef>
+          <a:fillRef idx="1">
+            <a:schemeClr val="accent1"/>
+          </a:fillRef>
+          <a:effectRef idx="0">
+            <a:schemeClr val="accent1"/>
+          </a:effectRef>
+          <a:fontRef idx="minor">
+            <a:schemeClr val="lt1"/>
+          </a:fontRef>
+        </p:style>
+        <p:txBody>
+          <a:bodyPr rtlCol="0" anchor="ctr"/>
+          <a:lstStyle/>
+          <a:p>
+            <a:pPr algn="ctr"/>
+            <a:r>
+              <a:rPr lang="zh-CN" altLang="en-US" dirty="0">
+                <a:solidFill>
+                  <a:schemeClr val="tx1"/>
+                </a:solidFill>
+              </a:rPr>
+              <a:t>数据表</a:t>
+            </a:r>
+          </a:p>
+        </p:txBody>
+      </p:sp>
+      <p:sp>
+        <p:nvSpPr>
+          <p:cNvPr id="9" name="圆角矩形 8"/>
+          <p:cNvSpPr/>
+          <p:nvPr/>
+        </p:nvSpPr>
+        <p:spPr>
+          <a:xfrm>
+            <a:off x="3274473" y="2377570"/>
+            <a:ext cx="1057985" cy="603580"/>
+          </a:xfrm>
+          <a:prstGeom prst="roundRect">
+            <a:avLst/>
+          </a:prstGeom>
+          <a:solidFill>
+            <a:schemeClr val="accent6">
+              <a:lumMod val="20000"/>
+              <a:lumOff val="80000"/>
+            </a:schemeClr>
+          </a:solidFill>
+          <a:ln>
+            <a:solidFill>
+              <a:schemeClr val="tx1"/>
+            </a:solidFill>
+          </a:ln>
+        </p:spPr>
+        <p:style>
+          <a:lnRef idx="2">
+            <a:schemeClr val="accent1">
+              <a:shade val="50000"/>
+            </a:schemeClr>
+          </a:lnRef>
+          <a:fillRef idx="1">
+            <a:schemeClr val="accent1"/>
+          </a:fillRef>
+          <a:effectRef idx="0">
+            <a:schemeClr val="accent1"/>
+          </a:effectRef>
+          <a:fontRef idx="minor">
+            <a:schemeClr val="lt1"/>
+          </a:fontRef>
+        </p:style>
+        <p:txBody>
+          <a:bodyPr rtlCol="0" anchor="ctr"/>
+          <a:lstStyle/>
+          <a:p>
+            <a:pPr algn="ctr"/>
+            <a:r>
+              <a:rPr lang="zh-CN" altLang="en-US" dirty="0">
+                <a:solidFill>
+                  <a:schemeClr val="tx1"/>
+                </a:solidFill>
+              </a:rPr>
+              <a:t>对象</a:t>
+            </a:r>
+          </a:p>
+        </p:txBody>
+      </p:sp>
+      <p:sp>
+        <p:nvSpPr>
+          <p:cNvPr id="10" name="圆角矩形 9"/>
+          <p:cNvSpPr/>
+          <p:nvPr/>
+        </p:nvSpPr>
+        <p:spPr>
+          <a:xfrm>
+            <a:off x="3274472" y="3431637"/>
+            <a:ext cx="1057985" cy="548709"/>
+          </a:xfrm>
+          <a:prstGeom prst="roundRect">
+            <a:avLst/>
+          </a:prstGeom>
+          <a:solidFill>
+            <a:schemeClr val="accent6">
+              <a:lumMod val="20000"/>
+              <a:lumOff val="80000"/>
+            </a:schemeClr>
+          </a:solidFill>
+          <a:ln>
+            <a:solidFill>
+              <a:schemeClr val="tx1"/>
+            </a:solidFill>
+          </a:ln>
+        </p:spPr>
+        <p:style>
+          <a:lnRef idx="2">
+            <a:schemeClr val="accent1">
+              <a:shade val="50000"/>
+            </a:schemeClr>
+          </a:lnRef>
+          <a:fillRef idx="1">
+            <a:schemeClr val="accent1"/>
+          </a:fillRef>
+          <a:effectRef idx="0">
+            <a:schemeClr val="accent1"/>
+          </a:effectRef>
+          <a:fontRef idx="minor">
+            <a:schemeClr val="lt1"/>
+          </a:fontRef>
+        </p:style>
+        <p:txBody>
+          <a:bodyPr rtlCol="0" anchor="ctr"/>
+          <a:lstStyle/>
+          <a:p>
+            <a:pPr algn="ctr"/>
+            <a:r>
+              <a:rPr lang="zh-CN" altLang="en-US" dirty="0">
+                <a:solidFill>
+                  <a:schemeClr val="tx1"/>
+                </a:solidFill>
+              </a:rPr>
+              <a:t>属性</a:t>
+            </a:r>
+          </a:p>
+        </p:txBody>
+      </p:sp>
+      <p:sp>
+        <p:nvSpPr>
+          <p:cNvPr id="11" name="圆角矩形 10"/>
+          <p:cNvSpPr/>
+          <p:nvPr/>
+        </p:nvSpPr>
+        <p:spPr>
+          <a:xfrm>
+            <a:off x="5737211" y="2377569"/>
+            <a:ext cx="1057985" cy="603580"/>
+          </a:xfrm>
+          <a:prstGeom prst="roundRect">
+            <a:avLst/>
+          </a:prstGeom>
+          <a:solidFill>
+            <a:schemeClr val="accent6">
+              <a:lumMod val="20000"/>
+              <a:lumOff val="80000"/>
+            </a:schemeClr>
+          </a:solidFill>
+          <a:ln>
+            <a:solidFill>
+              <a:schemeClr val="tx1"/>
+            </a:solidFill>
+          </a:ln>
+        </p:spPr>
+        <p:style>
+          <a:lnRef idx="2">
+            <a:schemeClr val="accent1">
+              <a:shade val="50000"/>
+            </a:schemeClr>
+          </a:lnRef>
+          <a:fillRef idx="1">
+            <a:schemeClr val="accent1"/>
+          </a:fillRef>
+          <a:effectRef idx="0">
+            <a:schemeClr val="accent1"/>
+          </a:effectRef>
+          <a:fontRef idx="minor">
+            <a:schemeClr val="lt1"/>
+          </a:fontRef>
+        </p:style>
+        <p:txBody>
+          <a:bodyPr rtlCol="0" anchor="ctr"/>
+          <a:lstStyle/>
+          <a:p>
+            <a:pPr algn="ctr"/>
+            <a:r>
+              <a:rPr lang="zh-CN" altLang="en-US" dirty="0">
+                <a:solidFill>
+                  <a:schemeClr val="tx1"/>
+                </a:solidFill>
+              </a:rPr>
+              <a:t>数据行</a:t>
+            </a:r>
+          </a:p>
+        </p:txBody>
+      </p:sp>
+      <p:sp>
+        <p:nvSpPr>
+          <p:cNvPr id="12" name="圆角矩形 11"/>
+          <p:cNvSpPr/>
+          <p:nvPr/>
+        </p:nvSpPr>
+        <p:spPr>
+          <a:xfrm>
+            <a:off x="5746554" y="3431637"/>
+            <a:ext cx="1057985" cy="548709"/>
+          </a:xfrm>
+          <a:prstGeom prst="roundRect">
+            <a:avLst/>
+          </a:prstGeom>
+          <a:solidFill>
+            <a:schemeClr val="accent6">
+              <a:lumMod val="20000"/>
+              <a:lumOff val="80000"/>
+            </a:schemeClr>
+          </a:solidFill>
+          <a:ln>
+            <a:solidFill>
+              <a:schemeClr val="tx1"/>
+            </a:solidFill>
+          </a:ln>
+        </p:spPr>
+        <p:style>
+          <a:lnRef idx="2">
+            <a:schemeClr val="accent1">
+              <a:shade val="50000"/>
+            </a:schemeClr>
+          </a:lnRef>
+          <a:fillRef idx="1">
+            <a:schemeClr val="accent1"/>
+          </a:fillRef>
+          <a:effectRef idx="0">
+            <a:schemeClr val="accent1"/>
+          </a:effectRef>
+          <a:fontRef idx="minor">
+            <a:schemeClr val="lt1"/>
+          </a:fontRef>
+        </p:style>
+        <p:txBody>
+          <a:bodyPr rtlCol="0" anchor="ctr"/>
+          <a:lstStyle/>
+          <a:p>
+            <a:pPr algn="ctr"/>
+            <a:r>
+              <a:rPr lang="zh-CN" altLang="en-US" dirty="0">
+                <a:solidFill>
+                  <a:schemeClr val="tx1"/>
+                </a:solidFill>
+              </a:rPr>
+              <a:t>字段</a:t>
+            </a:r>
+          </a:p>
+        </p:txBody>
+      </p:sp>
+      <p:cxnSp>
+        <p:nvCxnSpPr>
+          <p:cNvPr id="17" name="直接箭头连接符 16"/>
+          <p:cNvCxnSpPr>
+            <a:stCxn id="5" idx="3"/>
+            <a:endCxn id="7" idx="1"/>
+          </p:cNvCxnSpPr>
+          <p:nvPr/>
+        </p:nvCxnSpPr>
+        <p:spPr>
+          <a:xfrm flipV="1">
+            <a:off x="4332456" y="1651850"/>
+            <a:ext cx="1414098" cy="4907"/>
+          </a:xfrm>
+          <a:prstGeom prst="straightConnector1">
+            <a:avLst/>
+          </a:prstGeom>
+          <a:ln w="28575">
+            <a:solidFill>
+              <a:schemeClr val="tx1"/>
+            </a:solidFill>
+            <a:prstDash val="sysDash"/>
+            <a:headEnd type="triangle"/>
+            <a:tailEnd type="triangle"/>
+          </a:ln>
+        </p:spPr>
+        <p:style>
+          <a:lnRef idx="1">
+            <a:schemeClr val="accent1"/>
+          </a:lnRef>
+          <a:fillRef idx="0">
+            <a:schemeClr val="accent1"/>
+          </a:fillRef>
+          <a:effectRef idx="0">
+            <a:schemeClr val="accent1"/>
+          </a:effectRef>
+          <a:fontRef idx="minor">
+            <a:schemeClr val="tx1"/>
+          </a:fontRef>
+        </p:style>
+      </p:cxnSp>
+      <p:cxnSp>
+        <p:nvCxnSpPr>
+          <p:cNvPr id="19" name="直接箭头连接符 18"/>
+          <p:cNvCxnSpPr>
+            <a:stCxn id="9" idx="3"/>
+            <a:endCxn id="11" idx="1"/>
+          </p:cNvCxnSpPr>
+          <p:nvPr/>
+        </p:nvCxnSpPr>
+        <p:spPr>
+          <a:xfrm flipV="1">
+            <a:off x="4332458" y="2679359"/>
+            <a:ext cx="1404753" cy="1"/>
+          </a:xfrm>
+          <a:prstGeom prst="straightConnector1">
+            <a:avLst/>
+          </a:prstGeom>
+          <a:ln w="28575">
+            <a:solidFill>
+              <a:schemeClr val="tx1"/>
+            </a:solidFill>
+            <a:prstDash val="sysDash"/>
+            <a:headEnd type="triangle"/>
+            <a:tailEnd type="triangle"/>
+          </a:ln>
+        </p:spPr>
+        <p:style>
+          <a:lnRef idx="1">
+            <a:schemeClr val="accent1"/>
+          </a:lnRef>
+          <a:fillRef idx="0">
+            <a:schemeClr val="accent1"/>
+          </a:fillRef>
+          <a:effectRef idx="0">
+            <a:schemeClr val="accent1"/>
+          </a:effectRef>
+          <a:fontRef idx="minor">
+            <a:schemeClr val="tx1"/>
+          </a:fontRef>
+        </p:style>
+      </p:cxnSp>
+      <p:cxnSp>
+        <p:nvCxnSpPr>
+          <p:cNvPr id="22" name="直接箭头连接符 21"/>
+          <p:cNvCxnSpPr>
+            <a:stCxn id="10" idx="3"/>
+            <a:endCxn id="12" idx="1"/>
+          </p:cNvCxnSpPr>
+          <p:nvPr/>
+        </p:nvCxnSpPr>
+        <p:spPr>
+          <a:xfrm>
+            <a:off x="4332457" y="3705992"/>
+            <a:ext cx="1414097" cy="0"/>
+          </a:xfrm>
+          <a:prstGeom prst="straightConnector1">
+            <a:avLst/>
+          </a:prstGeom>
+          <a:ln w="28575">
+            <a:solidFill>
+              <a:schemeClr val="tx1"/>
+            </a:solidFill>
+            <a:prstDash val="sysDash"/>
+            <a:headEnd type="triangle"/>
+            <a:tailEnd type="triangle"/>
+          </a:ln>
+        </p:spPr>
+        <p:style>
+          <a:lnRef idx="1">
+            <a:schemeClr val="accent1"/>
+          </a:lnRef>
+          <a:fillRef idx="0">
+            <a:schemeClr val="accent1"/>
+          </a:fillRef>
+          <a:effectRef idx="0">
+            <a:schemeClr val="accent1"/>
+          </a:effectRef>
+          <a:fontRef idx="minor">
+            <a:schemeClr val="tx1"/>
+          </a:fontRef>
+        </p:style>
+      </p:cxnSp>
     </p:spTree>
     <p:extLst>
       <p:ext uri="{BB962C8B-B14F-4D97-AF65-F5344CB8AC3E}">
@@ -4384,11 +5049,7 @@
             </a:r>
             <a:r>
               <a:rPr lang="zh-CN" altLang="en-US" dirty="0" smtClean="0"/>
-              <a:t>登</a:t>
-            </a:r>
-            <a:r>
-              <a:rPr lang="zh-CN" altLang="en-US" dirty="0" smtClean="0"/>
-              <a:t>陆</a:t>
+              <a:t>登陆</a:t>
             </a:r>
             <a:endParaRPr lang="zh-CN" altLang="en-US" dirty="0"/>
           </a:p>
@@ -4652,13 +5313,8 @@
             <a:pPr algn="ctr"/>
             <a:r>
               <a:rPr lang="zh-CN" altLang="en-US" dirty="0"/>
-              <a:t>创建</a:t>
-            </a:r>
-            <a:r>
-              <a:rPr lang="zh-CN" altLang="en-US" dirty="0"/>
-              <a:t>竞赛</a:t>
-            </a:r>
-            <a:endParaRPr lang="zh-CN" altLang="en-US" dirty="0"/>
+              <a:t>创建竞赛</a:t>
+            </a:r>
           </a:p>
         </p:txBody>
       </p:sp>
@@ -4926,13 +5582,8 @@
             <a:pPr algn="ctr"/>
             <a:r>
               <a:rPr lang="zh-CN" altLang="en-US" dirty="0"/>
-              <a:t>编</a:t>
-            </a:r>
-            <a:r>
-              <a:rPr lang="zh-CN" altLang="en-US" dirty="0"/>
-              <a:t>辑竞赛信息</a:t>
-            </a:r>
-            <a:endParaRPr lang="zh-CN" altLang="en-US" dirty="0"/>
+              <a:t>编辑竞赛信息</a:t>
+            </a:r>
           </a:p>
         </p:txBody>
       </p:sp>
@@ -4974,13 +5625,8 @@
             <a:pPr algn="ctr"/>
             <a:r>
               <a:rPr lang="zh-CN" altLang="en-US" dirty="0"/>
-              <a:t>队伍</a:t>
-            </a:r>
-            <a:r>
-              <a:rPr lang="zh-CN" altLang="en-US" dirty="0"/>
-              <a:t>审核</a:t>
-            </a:r>
-            <a:endParaRPr lang="zh-CN" altLang="en-US" dirty="0"/>
+              <a:t>队伍审核</a:t>
+            </a:r>
           </a:p>
         </p:txBody>
       </p:sp>
@@ -5321,7 +5967,7 @@
         </p:nvSpPr>
         <p:spPr>
           <a:xfrm>
-            <a:off x="4526638" y="1525172"/>
+            <a:off x="5494047" y="1008337"/>
             <a:ext cx="1745673" cy="680132"/>
           </a:xfrm>
           <a:prstGeom prst="rect">
@@ -5381,11 +6027,6 @@
               </a:rPr>
               <a:t>登陆</a:t>
             </a:r>
-            <a:endParaRPr lang="zh-CN" altLang="en-US" dirty="0">
-              <a:solidFill>
-                <a:schemeClr val="tx1"/>
-              </a:solidFill>
-            </a:endParaRPr>
           </a:p>
         </p:txBody>
       </p:sp>
@@ -5397,7 +6038,7 @@
         </p:nvSpPr>
         <p:spPr>
           <a:xfrm>
-            <a:off x="1515087" y="2691441"/>
+            <a:off x="2151195" y="2174606"/>
             <a:ext cx="1586975" cy="464540"/>
           </a:xfrm>
           <a:prstGeom prst="rect">
@@ -5446,68 +6087,13 @@
       </p:sp>
       <p:sp>
         <p:nvSpPr>
-          <p:cNvPr id="8" name="矩形 7"/>
-          <p:cNvSpPr/>
-          <p:nvPr/>
-        </p:nvSpPr>
-        <p:spPr>
-          <a:xfrm>
-            <a:off x="3915880" y="2691441"/>
-            <a:ext cx="1586975" cy="464540"/>
-          </a:xfrm>
-          <a:prstGeom prst="rect">
-            <a:avLst/>
-          </a:prstGeom>
-          <a:solidFill>
-            <a:schemeClr val="bg1"/>
-          </a:solidFill>
-          <a:ln>
-            <a:solidFill>
-              <a:schemeClr val="tx1"/>
-            </a:solidFill>
-          </a:ln>
-        </p:spPr>
-        <p:style>
-          <a:lnRef idx="2">
-            <a:schemeClr val="accent1">
-              <a:shade val="50000"/>
-            </a:schemeClr>
-          </a:lnRef>
-          <a:fillRef idx="1">
-            <a:schemeClr val="accent1"/>
-          </a:fillRef>
-          <a:effectRef idx="0">
-            <a:schemeClr val="accent1"/>
-          </a:effectRef>
-          <a:fontRef idx="minor">
-            <a:schemeClr val="lt1"/>
-          </a:fontRef>
-        </p:style>
-        <p:txBody>
-          <a:bodyPr rtlCol="0" anchor="ctr"/>
-          <a:lstStyle/>
-          <a:p>
-            <a:pPr algn="ctr"/>
-            <a:r>
-              <a:rPr lang="zh-CN" altLang="en-US" dirty="0">
-                <a:solidFill>
-                  <a:schemeClr val="tx1"/>
-                </a:solidFill>
-              </a:rPr>
-              <a:t>学生</a:t>
-            </a:r>
-          </a:p>
-        </p:txBody>
-      </p:sp>
-      <p:sp>
-        <p:nvSpPr>
           <p:cNvPr id="9" name="矩形 8"/>
           <p:cNvSpPr/>
           <p:nvPr/>
         </p:nvSpPr>
         <p:spPr>
           <a:xfrm>
-            <a:off x="6056653" y="2691441"/>
+            <a:off x="7037319" y="2174606"/>
             <a:ext cx="1586975" cy="464540"/>
           </a:xfrm>
           <a:prstGeom prst="rect">
@@ -5562,7 +6148,7 @@
         </p:nvSpPr>
         <p:spPr>
           <a:xfrm>
-            <a:off x="994326" y="3586599"/>
+            <a:off x="1630434" y="3069764"/>
             <a:ext cx="442628" cy="2782389"/>
           </a:xfrm>
           <a:prstGeom prst="rect">
@@ -5604,144 +6190,8 @@
                   <a:schemeClr val="tx1"/>
                 </a:solidFill>
               </a:rPr>
-              <a:t>创建</a:t>
-            </a:r>
-            <a:r>
-              <a:rPr lang="zh-CN" altLang="en-US" dirty="0">
-                <a:solidFill>
-                  <a:schemeClr val="tx1"/>
-                </a:solidFill>
-              </a:rPr>
-              <a:t>竞赛</a:t>
-            </a:r>
-            <a:endParaRPr lang="zh-CN" altLang="en-US" dirty="0">
-              <a:solidFill>
-                <a:schemeClr val="tx1"/>
-              </a:solidFill>
-            </a:endParaRPr>
-          </a:p>
-        </p:txBody>
-      </p:sp>
-      <p:sp>
-        <p:nvSpPr>
-          <p:cNvPr id="14" name="矩形 13"/>
-          <p:cNvSpPr/>
-          <p:nvPr/>
-        </p:nvSpPr>
-        <p:spPr>
-          <a:xfrm>
-            <a:off x="4192987" y="3586593"/>
-            <a:ext cx="442628" cy="2782389"/>
-          </a:xfrm>
-          <a:prstGeom prst="rect">
-            <a:avLst/>
-          </a:prstGeom>
-          <a:solidFill>
-            <a:schemeClr val="bg1"/>
-          </a:solidFill>
-          <a:ln>
-            <a:solidFill>
-              <a:schemeClr val="tx1"/>
-            </a:solidFill>
-          </a:ln>
-        </p:spPr>
-        <p:style>
-          <a:lnRef idx="2">
-            <a:schemeClr val="accent1">
-              <a:shade val="50000"/>
-            </a:schemeClr>
-          </a:lnRef>
-          <a:fillRef idx="1">
-            <a:schemeClr val="accent1"/>
-          </a:fillRef>
-          <a:effectRef idx="0">
-            <a:schemeClr val="accent1"/>
-          </a:effectRef>
-          <a:fontRef idx="minor">
-            <a:schemeClr val="lt1"/>
-          </a:fontRef>
-        </p:style>
-        <p:txBody>
-          <a:bodyPr rtlCol="0" anchor="ctr"/>
-          <a:lstStyle/>
-          <a:p>
-            <a:pPr algn="ctr"/>
-            <a:r>
-              <a:rPr lang="zh-CN" altLang="en-US" dirty="0">
-                <a:solidFill>
-                  <a:schemeClr val="tx1"/>
-                </a:solidFill>
-              </a:rPr>
-              <a:t>注册</a:t>
-            </a:r>
-          </a:p>
-        </p:txBody>
-      </p:sp>
-      <p:sp>
-        <p:nvSpPr>
-          <p:cNvPr id="15" name="矩形 14"/>
-          <p:cNvSpPr/>
-          <p:nvPr/>
-        </p:nvSpPr>
-        <p:spPr>
-          <a:xfrm>
-            <a:off x="4817180" y="3586603"/>
-            <a:ext cx="442628" cy="2782389"/>
-          </a:xfrm>
-          <a:prstGeom prst="rect">
-            <a:avLst/>
-          </a:prstGeom>
-          <a:solidFill>
-            <a:schemeClr val="bg1"/>
-          </a:solidFill>
-          <a:ln>
-            <a:solidFill>
-              <a:schemeClr val="tx1"/>
-            </a:solidFill>
-          </a:ln>
-        </p:spPr>
-        <p:style>
-          <a:lnRef idx="2">
-            <a:schemeClr val="accent1">
-              <a:shade val="50000"/>
-            </a:schemeClr>
-          </a:lnRef>
-          <a:fillRef idx="1">
-            <a:schemeClr val="accent1"/>
-          </a:fillRef>
-          <a:effectRef idx="0">
-            <a:schemeClr val="accent1"/>
-          </a:effectRef>
-          <a:fontRef idx="minor">
-            <a:schemeClr val="lt1"/>
-          </a:fontRef>
-        </p:style>
-        <p:txBody>
-          <a:bodyPr rtlCol="0" anchor="ctr"/>
-          <a:lstStyle/>
-          <a:p>
-            <a:pPr algn="ctr"/>
-            <a:r>
-              <a:rPr lang="zh-CN" altLang="en-US" dirty="0">
-                <a:solidFill>
-                  <a:schemeClr val="tx1"/>
-                </a:solidFill>
-              </a:rPr>
-              <a:t>加</a:t>
-            </a:r>
-            <a:r>
-              <a:rPr lang="zh-CN" altLang="en-US" dirty="0">
-                <a:solidFill>
-                  <a:schemeClr val="tx1"/>
-                </a:solidFill>
-              </a:rPr>
-              <a:t>入队伍</a:t>
-            </a:r>
-            <a:endParaRPr lang="zh-CN" altLang="en-US" dirty="0">
-              <a:solidFill>
-                <a:schemeClr val="tx1"/>
-              </a:solidFill>
-            </a:endParaRPr>
+              <a:t>创建竞赛</a:t>
+            </a:r>
           </a:p>
         </p:txBody>
       </p:sp>
@@ -5753,7 +6203,7 @@
         </p:nvSpPr>
         <p:spPr>
           <a:xfrm>
-            <a:off x="6636071" y="3586596"/>
+            <a:off x="7616737" y="3069761"/>
             <a:ext cx="442628" cy="2782389"/>
           </a:xfrm>
           <a:prstGeom prst="rect">
@@ -5797,11 +6247,6 @@
               </a:rPr>
               <a:t>队伍管理</a:t>
             </a:r>
-            <a:endParaRPr lang="zh-CN" altLang="en-US" dirty="0">
-              <a:solidFill>
-                <a:schemeClr val="tx1"/>
-              </a:solidFill>
-            </a:endParaRPr>
           </a:p>
         </p:txBody>
       </p:sp>
@@ -5813,7 +6258,7 @@
         </p:nvSpPr>
         <p:spPr>
           <a:xfrm>
-            <a:off x="7324047" y="3586595"/>
+            <a:off x="8304713" y="3069760"/>
             <a:ext cx="442628" cy="2782389"/>
           </a:xfrm>
           <a:prstGeom prst="rect">
@@ -5868,7 +6313,7 @@
         </p:nvSpPr>
         <p:spPr>
           <a:xfrm>
-            <a:off x="5974427" y="3586595"/>
+            <a:off x="6955093" y="3069760"/>
             <a:ext cx="442628" cy="2782389"/>
           </a:xfrm>
           <a:prstGeom prst="rect">
@@ -5912,11 +6357,6 @@
               </a:rPr>
               <a:t>创建队伍</a:t>
             </a:r>
-            <a:endParaRPr lang="zh-CN" altLang="en-US" dirty="0">
-              <a:solidFill>
-                <a:schemeClr val="tx1"/>
-              </a:solidFill>
-            </a:endParaRPr>
           </a:p>
         </p:txBody>
       </p:sp>
@@ -5928,7 +6368,7 @@
         </p:nvSpPr>
         <p:spPr>
           <a:xfrm>
-            <a:off x="1535892" y="3586598"/>
+            <a:off x="2172000" y="3069763"/>
             <a:ext cx="442628" cy="2782389"/>
           </a:xfrm>
           <a:prstGeom prst="rect">
@@ -5970,89 +6410,63 @@
                   <a:schemeClr val="tx1"/>
                 </a:solidFill>
               </a:rPr>
-              <a:t>编</a:t>
-            </a:r>
+              <a:t>编辑竞赛信息</a:t>
+            </a:r>
+          </a:p>
+        </p:txBody>
+      </p:sp>
+      <p:sp>
+        <p:nvSpPr>
+          <p:cNvPr id="20" name="矩形 19"/>
+          <p:cNvSpPr/>
+          <p:nvPr/>
+        </p:nvSpPr>
+        <p:spPr>
+          <a:xfrm>
+            <a:off x="2719970" y="3069763"/>
+            <a:ext cx="442628" cy="2782389"/>
+          </a:xfrm>
+          <a:prstGeom prst="rect">
+            <a:avLst/>
+          </a:prstGeom>
+          <a:solidFill>
+            <a:schemeClr val="bg1"/>
+          </a:solidFill>
+          <a:ln>
+            <a:solidFill>
+              <a:schemeClr val="tx1"/>
+            </a:solidFill>
+          </a:ln>
+        </p:spPr>
+        <p:style>
+          <a:lnRef idx="2">
+            <a:schemeClr val="accent1">
+              <a:shade val="50000"/>
+            </a:schemeClr>
+          </a:lnRef>
+          <a:fillRef idx="1">
+            <a:schemeClr val="accent1"/>
+          </a:fillRef>
+          <a:effectRef idx="0">
+            <a:schemeClr val="accent1"/>
+          </a:effectRef>
+          <a:fontRef idx="minor">
+            <a:schemeClr val="lt1"/>
+          </a:fontRef>
+        </p:style>
+        <p:txBody>
+          <a:bodyPr rtlCol="0" anchor="ctr"/>
+          <a:lstStyle/>
+          <a:p>
+            <a:pPr algn="ctr"/>
             <a:r>
               <a:rPr lang="zh-CN" altLang="en-US" dirty="0">
                 <a:solidFill>
                   <a:schemeClr val="tx1"/>
                 </a:solidFill>
               </a:rPr>
-              <a:t>辑竞赛信息</a:t>
-            </a:r>
-            <a:endParaRPr lang="zh-CN" altLang="en-US" dirty="0">
-              <a:solidFill>
-                <a:schemeClr val="tx1"/>
-              </a:solidFill>
-            </a:endParaRPr>
-          </a:p>
-        </p:txBody>
-      </p:sp>
-      <p:sp>
-        <p:nvSpPr>
-          <p:cNvPr id="20" name="矩形 19"/>
-          <p:cNvSpPr/>
-          <p:nvPr/>
-        </p:nvSpPr>
-        <p:spPr>
-          <a:xfrm>
-            <a:off x="2083862" y="3586598"/>
-            <a:ext cx="442628" cy="2782389"/>
-          </a:xfrm>
-          <a:prstGeom prst="rect">
-            <a:avLst/>
-          </a:prstGeom>
-          <a:solidFill>
-            <a:schemeClr val="bg1"/>
-          </a:solidFill>
-          <a:ln>
-            <a:solidFill>
-              <a:schemeClr val="tx1"/>
-            </a:solidFill>
-          </a:ln>
-        </p:spPr>
-        <p:style>
-          <a:lnRef idx="2">
-            <a:schemeClr val="accent1">
-              <a:shade val="50000"/>
-            </a:schemeClr>
-          </a:lnRef>
-          <a:fillRef idx="1">
-            <a:schemeClr val="accent1"/>
-          </a:fillRef>
-          <a:effectRef idx="0">
-            <a:schemeClr val="accent1"/>
-          </a:effectRef>
-          <a:fontRef idx="minor">
-            <a:schemeClr val="lt1"/>
-          </a:fontRef>
-        </p:style>
-        <p:txBody>
-          <a:bodyPr rtlCol="0" anchor="ctr"/>
-          <a:lstStyle/>
-          <a:p>
-            <a:pPr algn="ctr"/>
-            <a:r>
-              <a:rPr lang="zh-CN" altLang="en-US" dirty="0">
-                <a:solidFill>
-                  <a:schemeClr val="tx1"/>
-                </a:solidFill>
-              </a:rPr>
-              <a:t>队伍</a:t>
-            </a:r>
-            <a:r>
-              <a:rPr lang="zh-CN" altLang="en-US" dirty="0">
-                <a:solidFill>
-                  <a:schemeClr val="tx1"/>
-                </a:solidFill>
-              </a:rPr>
-              <a:t>审核</a:t>
-            </a:r>
-            <a:endParaRPr lang="zh-CN" altLang="en-US" dirty="0">
-              <a:solidFill>
-                <a:schemeClr val="tx1"/>
-              </a:solidFill>
-            </a:endParaRPr>
+              <a:t>队伍审核</a:t>
+            </a:r>
           </a:p>
         </p:txBody>
       </p:sp>
@@ -6064,7 +6478,7 @@
         </p:nvSpPr>
         <p:spPr>
           <a:xfrm>
-            <a:off x="8096180" y="2691441"/>
+            <a:off x="9063594" y="2174606"/>
             <a:ext cx="1586976" cy="464540"/>
           </a:xfrm>
           <a:prstGeom prst="rect">
@@ -6108,11 +6522,6 @@
               </a:rPr>
               <a:t>基本信息修改</a:t>
             </a:r>
-            <a:endParaRPr lang="zh-CN" altLang="en-US" dirty="0">
-              <a:solidFill>
-                <a:schemeClr val="tx1"/>
-              </a:solidFill>
-            </a:endParaRPr>
           </a:p>
         </p:txBody>
       </p:sp>
@@ -6124,7 +6533,7 @@
         </p:nvSpPr>
         <p:spPr>
           <a:xfrm>
-            <a:off x="2666753" y="3586597"/>
+            <a:off x="3302861" y="3069762"/>
             <a:ext cx="442628" cy="2782389"/>
           </a:xfrm>
           <a:prstGeom prst="rect">
@@ -6168,11 +6577,6 @@
               </a:rPr>
               <a:t>系统定时开放</a:t>
             </a:r>
-            <a:endParaRPr lang="zh-CN" altLang="en-US" dirty="0">
-              <a:solidFill>
-                <a:schemeClr val="tx1"/>
-              </a:solidFill>
-            </a:endParaRPr>
           </a:p>
         </p:txBody>
       </p:sp>
@@ -6184,7 +6588,7 @@
         </p:nvSpPr>
         <p:spPr>
           <a:xfrm>
-            <a:off x="3216814" y="3586596"/>
+            <a:off x="3852922" y="3069761"/>
             <a:ext cx="442628" cy="2782389"/>
           </a:xfrm>
           <a:prstGeom prst="rect">
@@ -6228,11 +6632,6 @@
               </a:rPr>
               <a:t>会员管理</a:t>
             </a:r>
-            <a:endParaRPr lang="zh-CN" altLang="en-US" dirty="0">
-              <a:solidFill>
-                <a:schemeClr val="tx1"/>
-              </a:solidFill>
-            </a:endParaRPr>
           </a:p>
         </p:txBody>
       </p:sp>
@@ -6244,7 +6643,7 @@
         </p:nvSpPr>
         <p:spPr>
           <a:xfrm>
-            <a:off x="8348661" y="3586594"/>
+            <a:off x="9316075" y="3082822"/>
             <a:ext cx="442628" cy="2782389"/>
           </a:xfrm>
           <a:prstGeom prst="rect">
@@ -6288,11 +6687,6 @@
               </a:rPr>
               <a:t>密码修改</a:t>
             </a:r>
-            <a:endParaRPr lang="zh-CN" altLang="en-US" dirty="0">
-              <a:solidFill>
-                <a:schemeClr val="tx1"/>
-              </a:solidFill>
-            </a:endParaRPr>
           </a:p>
         </p:txBody>
       </p:sp>
@@ -6304,7 +6698,7 @@
         </p:nvSpPr>
         <p:spPr>
           <a:xfrm>
-            <a:off x="9039515" y="3586593"/>
+            <a:off x="10006929" y="3082821"/>
             <a:ext cx="442628" cy="2782389"/>
           </a:xfrm>
           <a:prstGeom prst="rect">
@@ -6348,11 +6742,6 @@
               </a:rPr>
               <a:t>邮件确认</a:t>
             </a:r>
-            <a:endParaRPr lang="zh-CN" altLang="en-US" dirty="0">
-              <a:solidFill>
-                <a:schemeClr val="tx1"/>
-              </a:solidFill>
-            </a:endParaRPr>
           </a:p>
         </p:txBody>
       </p:sp>
@@ -6364,7 +6753,7 @@
         </p:nvCxnSpPr>
         <p:spPr>
           <a:xfrm>
-            <a:off x="5399474" y="2205304"/>
+            <a:off x="6340381" y="1688469"/>
             <a:ext cx="0" cy="124428"/>
           </a:xfrm>
           <a:prstGeom prst="line">
@@ -6399,8 +6788,8 @@
         </p:nvCxnSpPr>
         <p:spPr>
           <a:xfrm>
-            <a:off x="2305176" y="2329732"/>
-            <a:ext cx="6584492" cy="7950"/>
+            <a:off x="2960102" y="1812897"/>
+            <a:ext cx="6891411" cy="7950"/>
           </a:xfrm>
           <a:prstGeom prst="line">
             <a:avLst/>
@@ -6436,7 +6825,7 @@
         </p:nvCxnSpPr>
         <p:spPr>
           <a:xfrm>
-            <a:off x="2305176" y="2329732"/>
+            <a:off x="2941284" y="1812897"/>
             <a:ext cx="3399" cy="361709"/>
           </a:xfrm>
           <a:prstGeom prst="straightConnector1">
@@ -6467,14 +6856,12 @@
       <p:cxnSp>
         <p:nvCxnSpPr>
           <p:cNvPr id="37" name="直接箭头连接符 36"/>
-          <p:cNvCxnSpPr>
-            <a:endCxn id="22" idx="0"/>
-          </p:cNvCxnSpPr>
+          <p:cNvCxnSpPr/>
           <p:nvPr/>
         </p:nvCxnSpPr>
         <p:spPr>
           <a:xfrm>
-            <a:off x="8889668" y="2337682"/>
+            <a:off x="9844019" y="1820847"/>
             <a:ext cx="0" cy="353759"/>
           </a:xfrm>
           <a:prstGeom prst="straightConnector1">
@@ -6510,7 +6897,7 @@
         </p:nvCxnSpPr>
         <p:spPr>
           <a:xfrm>
-            <a:off x="2321918" y="3152066"/>
+            <a:off x="2958026" y="2635231"/>
             <a:ext cx="0" cy="124428"/>
           </a:xfrm>
           <a:prstGeom prst="line">
@@ -6545,7 +6932,7 @@
         </p:nvCxnSpPr>
         <p:spPr>
           <a:xfrm>
-            <a:off x="1207269" y="3276494"/>
+            <a:off x="1856440" y="2759659"/>
             <a:ext cx="2195814" cy="7950"/>
           </a:xfrm>
           <a:prstGeom prst="line">
@@ -6582,7 +6969,7 @@
         </p:nvCxnSpPr>
         <p:spPr>
           <a:xfrm>
-            <a:off x="1215640" y="3284444"/>
+            <a:off x="1851748" y="2767609"/>
             <a:ext cx="0" cy="302155"/>
           </a:xfrm>
           <a:prstGeom prst="straightConnector1">
@@ -6618,7 +7005,7 @@
         </p:nvCxnSpPr>
         <p:spPr>
           <a:xfrm>
-            <a:off x="1765573" y="3284444"/>
+            <a:off x="2401681" y="2767609"/>
             <a:ext cx="0" cy="302155"/>
           </a:xfrm>
           <a:prstGeom prst="straightConnector1">
@@ -6654,7 +7041,7 @@
         </p:nvCxnSpPr>
         <p:spPr>
           <a:xfrm>
-            <a:off x="2321918" y="3284444"/>
+            <a:off x="2958026" y="2767609"/>
             <a:ext cx="0" cy="302155"/>
           </a:xfrm>
           <a:prstGeom prst="straightConnector1">
@@ -6690,7 +7077,7 @@
         </p:nvCxnSpPr>
         <p:spPr>
           <a:xfrm>
-            <a:off x="2888067" y="3284444"/>
+            <a:off x="3524175" y="2767609"/>
             <a:ext cx="0" cy="302155"/>
           </a:xfrm>
           <a:prstGeom prst="straightConnector1">
@@ -6726,7 +7113,4021 @@
         </p:nvCxnSpPr>
         <p:spPr>
           <a:xfrm>
-            <a:off x="3417343" y="3284444"/>
+            <a:off x="4053451" y="2767609"/>
+            <a:ext cx="0" cy="302155"/>
+          </a:xfrm>
+          <a:prstGeom prst="straightConnector1">
+            <a:avLst/>
+          </a:prstGeom>
+          <a:ln w="12700">
+            <a:solidFill>
+              <a:schemeClr val="tx1"/>
+            </a:solidFill>
+            <a:tailEnd type="triangle"/>
+          </a:ln>
+        </p:spPr>
+        <p:style>
+          <a:lnRef idx="1">
+            <a:schemeClr val="accent1"/>
+          </a:lnRef>
+          <a:fillRef idx="0">
+            <a:schemeClr val="accent1"/>
+          </a:fillRef>
+          <a:effectRef idx="0">
+            <a:schemeClr val="accent1"/>
+          </a:effectRef>
+          <a:fontRef idx="minor">
+            <a:schemeClr val="tx1"/>
+          </a:fontRef>
+        </p:style>
+      </p:cxnSp>
+      <p:cxnSp>
+        <p:nvCxnSpPr>
+          <p:cNvPr id="64" name="直接连接符 63"/>
+          <p:cNvCxnSpPr/>
+          <p:nvPr/>
+        </p:nvCxnSpPr>
+        <p:spPr>
+          <a:xfrm>
+            <a:off x="7864459" y="2643180"/>
+            <a:ext cx="0" cy="124428"/>
+          </a:xfrm>
+          <a:prstGeom prst="line">
+            <a:avLst/>
+          </a:prstGeom>
+          <a:ln w="12700">
+            <a:solidFill>
+              <a:schemeClr val="tx1"/>
+            </a:solidFill>
+          </a:ln>
+        </p:spPr>
+        <p:style>
+          <a:lnRef idx="1">
+            <a:schemeClr val="accent1"/>
+          </a:lnRef>
+          <a:fillRef idx="0">
+            <a:schemeClr val="accent1"/>
+          </a:fillRef>
+          <a:effectRef idx="0">
+            <a:schemeClr val="accent1"/>
+          </a:effectRef>
+          <a:fontRef idx="minor">
+            <a:schemeClr val="tx1"/>
+          </a:fontRef>
+        </p:style>
+      </p:cxnSp>
+      <p:cxnSp>
+        <p:nvCxnSpPr>
+          <p:cNvPr id="65" name="直接连接符 64"/>
+          <p:cNvCxnSpPr/>
+          <p:nvPr/>
+        </p:nvCxnSpPr>
+        <p:spPr>
+          <a:xfrm>
+            <a:off x="7166003" y="2767608"/>
+            <a:ext cx="1363428" cy="7950"/>
+          </a:xfrm>
+          <a:prstGeom prst="line">
+            <a:avLst/>
+          </a:prstGeom>
+          <a:ln w="12700">
+            <a:solidFill>
+              <a:schemeClr val="tx1"/>
+            </a:solidFill>
+          </a:ln>
+        </p:spPr>
+        <p:style>
+          <a:lnRef idx="1">
+            <a:schemeClr val="accent1"/>
+          </a:lnRef>
+          <a:fillRef idx="0">
+            <a:schemeClr val="accent1"/>
+          </a:fillRef>
+          <a:effectRef idx="0">
+            <a:schemeClr val="accent1"/>
+          </a:effectRef>
+          <a:fontRef idx="minor">
+            <a:schemeClr val="tx1"/>
+          </a:fontRef>
+        </p:style>
+      </p:cxnSp>
+      <p:cxnSp>
+        <p:nvCxnSpPr>
+          <p:cNvPr id="67" name="直接箭头连接符 66"/>
+          <p:cNvCxnSpPr/>
+          <p:nvPr/>
+        </p:nvCxnSpPr>
+        <p:spPr>
+          <a:xfrm>
+            <a:off x="7172944" y="2775558"/>
+            <a:ext cx="0" cy="302155"/>
+          </a:xfrm>
+          <a:prstGeom prst="straightConnector1">
+            <a:avLst/>
+          </a:prstGeom>
+          <a:ln w="12700">
+            <a:solidFill>
+              <a:schemeClr val="tx1"/>
+            </a:solidFill>
+            <a:tailEnd type="triangle"/>
+          </a:ln>
+        </p:spPr>
+        <p:style>
+          <a:lnRef idx="1">
+            <a:schemeClr val="accent1"/>
+          </a:lnRef>
+          <a:fillRef idx="0">
+            <a:schemeClr val="accent1"/>
+          </a:fillRef>
+          <a:effectRef idx="0">
+            <a:schemeClr val="accent1"/>
+          </a:effectRef>
+          <a:fontRef idx="minor">
+            <a:schemeClr val="tx1"/>
+          </a:fontRef>
+        </p:style>
+      </p:cxnSp>
+      <p:cxnSp>
+        <p:nvCxnSpPr>
+          <p:cNvPr id="68" name="直接箭头连接符 67"/>
+          <p:cNvCxnSpPr/>
+          <p:nvPr/>
+        </p:nvCxnSpPr>
+        <p:spPr>
+          <a:xfrm>
+            <a:off x="7864459" y="2775558"/>
+            <a:ext cx="0" cy="302155"/>
+          </a:xfrm>
+          <a:prstGeom prst="straightConnector1">
+            <a:avLst/>
+          </a:prstGeom>
+          <a:ln w="12700">
+            <a:solidFill>
+              <a:schemeClr val="tx1"/>
+            </a:solidFill>
+            <a:tailEnd type="triangle"/>
+          </a:ln>
+        </p:spPr>
+        <p:style>
+          <a:lnRef idx="1">
+            <a:schemeClr val="accent1"/>
+          </a:lnRef>
+          <a:fillRef idx="0">
+            <a:schemeClr val="accent1"/>
+          </a:fillRef>
+          <a:effectRef idx="0">
+            <a:schemeClr val="accent1"/>
+          </a:effectRef>
+          <a:fontRef idx="minor">
+            <a:schemeClr val="tx1"/>
+          </a:fontRef>
+        </p:style>
+      </p:cxnSp>
+      <p:cxnSp>
+        <p:nvCxnSpPr>
+          <p:cNvPr id="69" name="直接箭头连接符 68"/>
+          <p:cNvCxnSpPr/>
+          <p:nvPr/>
+        </p:nvCxnSpPr>
+        <p:spPr>
+          <a:xfrm>
+            <a:off x="8529001" y="2775558"/>
+            <a:ext cx="0" cy="302155"/>
+          </a:xfrm>
+          <a:prstGeom prst="straightConnector1">
+            <a:avLst/>
+          </a:prstGeom>
+          <a:ln w="12700">
+            <a:solidFill>
+              <a:schemeClr val="tx1"/>
+            </a:solidFill>
+            <a:tailEnd type="triangle"/>
+          </a:ln>
+        </p:spPr>
+        <p:style>
+          <a:lnRef idx="1">
+            <a:schemeClr val="accent1"/>
+          </a:lnRef>
+          <a:fillRef idx="0">
+            <a:schemeClr val="accent1"/>
+          </a:fillRef>
+          <a:effectRef idx="0">
+            <a:schemeClr val="accent1"/>
+          </a:effectRef>
+          <a:fontRef idx="minor">
+            <a:schemeClr val="tx1"/>
+          </a:fontRef>
+        </p:style>
+      </p:cxnSp>
+      <p:cxnSp>
+        <p:nvCxnSpPr>
+          <p:cNvPr id="71" name="直接连接符 70"/>
+          <p:cNvCxnSpPr/>
+          <p:nvPr/>
+        </p:nvCxnSpPr>
+        <p:spPr>
+          <a:xfrm>
+            <a:off x="9867187" y="2648850"/>
+            <a:ext cx="0" cy="124428"/>
+          </a:xfrm>
+          <a:prstGeom prst="line">
+            <a:avLst/>
+          </a:prstGeom>
+          <a:ln w="12700">
+            <a:solidFill>
+              <a:schemeClr val="tx1"/>
+            </a:solidFill>
+          </a:ln>
+        </p:spPr>
+        <p:style>
+          <a:lnRef idx="1">
+            <a:schemeClr val="accent1"/>
+          </a:lnRef>
+          <a:fillRef idx="0">
+            <a:schemeClr val="accent1"/>
+          </a:fillRef>
+          <a:effectRef idx="0">
+            <a:schemeClr val="accent1"/>
+          </a:effectRef>
+          <a:fontRef idx="minor">
+            <a:schemeClr val="tx1"/>
+          </a:fontRef>
+        </p:style>
+      </p:cxnSp>
+      <p:cxnSp>
+        <p:nvCxnSpPr>
+          <p:cNvPr id="72" name="直接连接符 71"/>
+          <p:cNvCxnSpPr/>
+          <p:nvPr/>
+        </p:nvCxnSpPr>
+        <p:spPr>
+          <a:xfrm>
+            <a:off x="9457684" y="2773278"/>
+            <a:ext cx="769620" cy="7950"/>
+          </a:xfrm>
+          <a:prstGeom prst="line">
+            <a:avLst/>
+          </a:prstGeom>
+          <a:ln w="12700">
+            <a:solidFill>
+              <a:schemeClr val="tx1"/>
+            </a:solidFill>
+          </a:ln>
+        </p:spPr>
+        <p:style>
+          <a:lnRef idx="1">
+            <a:schemeClr val="accent1"/>
+          </a:lnRef>
+          <a:fillRef idx="0">
+            <a:schemeClr val="accent1"/>
+          </a:fillRef>
+          <a:effectRef idx="0">
+            <a:schemeClr val="accent1"/>
+          </a:effectRef>
+          <a:fontRef idx="minor">
+            <a:schemeClr val="tx1"/>
+          </a:fontRef>
+        </p:style>
+      </p:cxnSp>
+      <p:cxnSp>
+        <p:nvCxnSpPr>
+          <p:cNvPr id="74" name="直接箭头连接符 73"/>
+          <p:cNvCxnSpPr/>
+          <p:nvPr/>
+        </p:nvCxnSpPr>
+        <p:spPr>
+          <a:xfrm>
+            <a:off x="9465635" y="2780670"/>
+            <a:ext cx="0" cy="302155"/>
+          </a:xfrm>
+          <a:prstGeom prst="straightConnector1">
+            <a:avLst/>
+          </a:prstGeom>
+          <a:ln w="12700">
+            <a:solidFill>
+              <a:schemeClr val="tx1"/>
+            </a:solidFill>
+            <a:tailEnd type="triangle"/>
+          </a:ln>
+        </p:spPr>
+        <p:style>
+          <a:lnRef idx="1">
+            <a:schemeClr val="accent1"/>
+          </a:lnRef>
+          <a:fillRef idx="0">
+            <a:schemeClr val="accent1"/>
+          </a:fillRef>
+          <a:effectRef idx="0">
+            <a:schemeClr val="accent1"/>
+          </a:effectRef>
+          <a:fontRef idx="minor">
+            <a:schemeClr val="tx1"/>
+          </a:fontRef>
+        </p:style>
+      </p:cxnSp>
+      <p:cxnSp>
+        <p:nvCxnSpPr>
+          <p:cNvPr id="76" name="直接箭头连接符 75"/>
+          <p:cNvCxnSpPr/>
+          <p:nvPr/>
+        </p:nvCxnSpPr>
+        <p:spPr>
+          <a:xfrm>
+            <a:off x="10226602" y="2781228"/>
+            <a:ext cx="0" cy="302155"/>
+          </a:xfrm>
+          <a:prstGeom prst="straightConnector1">
+            <a:avLst/>
+          </a:prstGeom>
+          <a:ln w="12700">
+            <a:solidFill>
+              <a:schemeClr val="tx1"/>
+            </a:solidFill>
+            <a:tailEnd type="triangle"/>
+          </a:ln>
+        </p:spPr>
+        <p:style>
+          <a:lnRef idx="1">
+            <a:schemeClr val="accent1"/>
+          </a:lnRef>
+          <a:fillRef idx="0">
+            <a:schemeClr val="accent1"/>
+          </a:fillRef>
+          <a:effectRef idx="0">
+            <a:schemeClr val="accent1"/>
+          </a:effectRef>
+          <a:fontRef idx="minor">
+            <a:schemeClr val="tx1"/>
+          </a:fontRef>
+        </p:style>
+      </p:cxnSp>
+      <p:cxnSp>
+        <p:nvCxnSpPr>
+          <p:cNvPr id="78" name="直接箭头连接符 77"/>
+          <p:cNvCxnSpPr/>
+          <p:nvPr/>
+        </p:nvCxnSpPr>
+        <p:spPr>
+          <a:xfrm>
+            <a:off x="5625487" y="1818502"/>
+            <a:ext cx="3399" cy="361709"/>
+          </a:xfrm>
+          <a:prstGeom prst="straightConnector1">
+            <a:avLst/>
+          </a:prstGeom>
+          <a:ln w="12700">
+            <a:solidFill>
+              <a:schemeClr val="tx1"/>
+            </a:solidFill>
+            <a:tailEnd type="triangle"/>
+          </a:ln>
+        </p:spPr>
+        <p:style>
+          <a:lnRef idx="1">
+            <a:schemeClr val="accent1"/>
+          </a:lnRef>
+          <a:fillRef idx="0">
+            <a:schemeClr val="accent1"/>
+          </a:fillRef>
+          <a:effectRef idx="0">
+            <a:schemeClr val="accent1"/>
+          </a:effectRef>
+          <a:fontRef idx="minor">
+            <a:schemeClr val="tx1"/>
+          </a:fontRef>
+        </p:style>
+      </p:cxnSp>
+      <p:cxnSp>
+        <p:nvCxnSpPr>
+          <p:cNvPr id="79" name="直接箭头连接符 78"/>
+          <p:cNvCxnSpPr/>
+          <p:nvPr/>
+        </p:nvCxnSpPr>
+        <p:spPr>
+          <a:xfrm>
+            <a:off x="7858301" y="1816110"/>
+            <a:ext cx="3399" cy="361709"/>
+          </a:xfrm>
+          <a:prstGeom prst="straightConnector1">
+            <a:avLst/>
+          </a:prstGeom>
+          <a:ln w="12700">
+            <a:solidFill>
+              <a:schemeClr val="tx1"/>
+            </a:solidFill>
+            <a:tailEnd type="triangle"/>
+          </a:ln>
+        </p:spPr>
+        <p:style>
+          <a:lnRef idx="1">
+            <a:schemeClr val="accent1"/>
+          </a:lnRef>
+          <a:fillRef idx="0">
+            <a:schemeClr val="accent1"/>
+          </a:fillRef>
+          <a:effectRef idx="0">
+            <a:schemeClr val="accent1"/>
+          </a:effectRef>
+          <a:fontRef idx="minor">
+            <a:schemeClr val="tx1"/>
+          </a:fontRef>
+        </p:style>
+      </p:cxnSp>
+      <p:sp>
+        <p:nvSpPr>
+          <p:cNvPr id="45" name="矩形 44"/>
+          <p:cNvSpPr/>
+          <p:nvPr/>
+        </p:nvSpPr>
+        <p:spPr>
+          <a:xfrm>
+            <a:off x="4802009" y="2187666"/>
+            <a:ext cx="1586975" cy="464540"/>
+          </a:xfrm>
+          <a:prstGeom prst="rect">
+            <a:avLst/>
+          </a:prstGeom>
+          <a:solidFill>
+            <a:schemeClr val="bg1"/>
+          </a:solidFill>
+          <a:ln>
+            <a:solidFill>
+              <a:schemeClr val="tx1"/>
+            </a:solidFill>
+          </a:ln>
+        </p:spPr>
+        <p:style>
+          <a:lnRef idx="2">
+            <a:schemeClr val="accent1">
+              <a:shade val="50000"/>
+            </a:schemeClr>
+          </a:lnRef>
+          <a:fillRef idx="1">
+            <a:schemeClr val="accent1"/>
+          </a:fillRef>
+          <a:effectRef idx="0">
+            <a:schemeClr val="accent1"/>
+          </a:effectRef>
+          <a:fontRef idx="minor">
+            <a:schemeClr val="lt1"/>
+          </a:fontRef>
+        </p:style>
+        <p:txBody>
+          <a:bodyPr rtlCol="0" anchor="ctr"/>
+          <a:lstStyle/>
+          <a:p>
+            <a:pPr algn="ctr"/>
+            <a:r>
+              <a:rPr lang="zh-CN" altLang="en-US" dirty="0">
+                <a:solidFill>
+                  <a:schemeClr val="tx1"/>
+                </a:solidFill>
+              </a:rPr>
+              <a:t>学生</a:t>
+            </a:r>
+            <a:endParaRPr lang="zh-CN" altLang="en-US" dirty="0">
+              <a:solidFill>
+                <a:schemeClr val="tx1"/>
+              </a:solidFill>
+            </a:endParaRPr>
+          </a:p>
+        </p:txBody>
+      </p:sp>
+      <p:sp>
+        <p:nvSpPr>
+          <p:cNvPr id="46" name="矩形 45"/>
+          <p:cNvSpPr/>
+          <p:nvPr/>
+        </p:nvSpPr>
+        <p:spPr>
+          <a:xfrm>
+            <a:off x="5368175" y="3082821"/>
+            <a:ext cx="442628" cy="2782389"/>
+          </a:xfrm>
+          <a:prstGeom prst="rect">
+            <a:avLst/>
+          </a:prstGeom>
+          <a:solidFill>
+            <a:schemeClr val="bg1"/>
+          </a:solidFill>
+          <a:ln>
+            <a:solidFill>
+              <a:schemeClr val="tx1"/>
+            </a:solidFill>
+          </a:ln>
+        </p:spPr>
+        <p:style>
+          <a:lnRef idx="2">
+            <a:schemeClr val="accent1">
+              <a:shade val="50000"/>
+            </a:schemeClr>
+          </a:lnRef>
+          <a:fillRef idx="1">
+            <a:schemeClr val="accent1"/>
+          </a:fillRef>
+          <a:effectRef idx="0">
+            <a:schemeClr val="accent1"/>
+          </a:effectRef>
+          <a:fontRef idx="minor">
+            <a:schemeClr val="lt1"/>
+          </a:fontRef>
+        </p:style>
+        <p:txBody>
+          <a:bodyPr rtlCol="0" anchor="ctr"/>
+          <a:lstStyle/>
+          <a:p>
+            <a:pPr algn="ctr"/>
+            <a:r>
+              <a:rPr lang="zh-CN" altLang="en-US" dirty="0" smtClean="0">
+                <a:solidFill>
+                  <a:schemeClr val="tx1"/>
+                </a:solidFill>
+              </a:rPr>
+              <a:t>作品提交</a:t>
+            </a:r>
+            <a:endParaRPr lang="zh-CN" altLang="en-US" dirty="0">
+              <a:solidFill>
+                <a:schemeClr val="tx1"/>
+              </a:solidFill>
+            </a:endParaRPr>
+          </a:p>
+        </p:txBody>
+      </p:sp>
+      <p:sp>
+        <p:nvSpPr>
+          <p:cNvPr id="47" name="矩形 46"/>
+          <p:cNvSpPr/>
+          <p:nvPr/>
+        </p:nvSpPr>
+        <p:spPr>
+          <a:xfrm>
+            <a:off x="6056151" y="3082820"/>
+            <a:ext cx="442628" cy="2782389"/>
+          </a:xfrm>
+          <a:prstGeom prst="rect">
+            <a:avLst/>
+          </a:prstGeom>
+          <a:solidFill>
+            <a:schemeClr val="bg1"/>
+          </a:solidFill>
+          <a:ln>
+            <a:solidFill>
+              <a:schemeClr val="tx1"/>
+            </a:solidFill>
+          </a:ln>
+        </p:spPr>
+        <p:style>
+          <a:lnRef idx="2">
+            <a:schemeClr val="accent1">
+              <a:shade val="50000"/>
+            </a:schemeClr>
+          </a:lnRef>
+          <a:fillRef idx="1">
+            <a:schemeClr val="accent1"/>
+          </a:fillRef>
+          <a:effectRef idx="0">
+            <a:schemeClr val="accent1"/>
+          </a:effectRef>
+          <a:fontRef idx="minor">
+            <a:schemeClr val="lt1"/>
+          </a:fontRef>
+        </p:style>
+        <p:txBody>
+          <a:bodyPr rtlCol="0" anchor="ctr"/>
+          <a:lstStyle/>
+          <a:p>
+            <a:pPr algn="ctr"/>
+            <a:r>
+              <a:rPr lang="zh-CN" altLang="en-US" dirty="0" smtClean="0">
+                <a:solidFill>
+                  <a:schemeClr val="tx1"/>
+                </a:solidFill>
+              </a:rPr>
+              <a:t>成绩查询</a:t>
+            </a:r>
+            <a:endParaRPr lang="zh-CN" altLang="en-US" dirty="0">
+              <a:solidFill>
+                <a:schemeClr val="tx1"/>
+              </a:solidFill>
+            </a:endParaRPr>
+          </a:p>
+        </p:txBody>
+      </p:sp>
+      <p:sp>
+        <p:nvSpPr>
+          <p:cNvPr id="48" name="矩形 47"/>
+          <p:cNvSpPr/>
+          <p:nvPr/>
+        </p:nvSpPr>
+        <p:spPr>
+          <a:xfrm>
+            <a:off x="4706531" y="3082820"/>
+            <a:ext cx="442628" cy="2782389"/>
+          </a:xfrm>
+          <a:prstGeom prst="rect">
+            <a:avLst/>
+          </a:prstGeom>
+          <a:solidFill>
+            <a:schemeClr val="bg1"/>
+          </a:solidFill>
+          <a:ln>
+            <a:solidFill>
+              <a:schemeClr val="tx1"/>
+            </a:solidFill>
+          </a:ln>
+        </p:spPr>
+        <p:style>
+          <a:lnRef idx="2">
+            <a:schemeClr val="accent1">
+              <a:shade val="50000"/>
+            </a:schemeClr>
+          </a:lnRef>
+          <a:fillRef idx="1">
+            <a:schemeClr val="accent1"/>
+          </a:fillRef>
+          <a:effectRef idx="0">
+            <a:schemeClr val="accent1"/>
+          </a:effectRef>
+          <a:fontRef idx="minor">
+            <a:schemeClr val="lt1"/>
+          </a:fontRef>
+        </p:style>
+        <p:txBody>
+          <a:bodyPr rtlCol="0" anchor="ctr"/>
+          <a:lstStyle/>
+          <a:p>
+            <a:pPr algn="ctr"/>
+            <a:r>
+              <a:rPr lang="zh-CN" altLang="en-US" dirty="0" smtClean="0">
+                <a:solidFill>
+                  <a:schemeClr val="tx1"/>
+                </a:solidFill>
+              </a:rPr>
+              <a:t>竞赛浏览</a:t>
+            </a:r>
+            <a:endParaRPr lang="zh-CN" altLang="en-US" dirty="0">
+              <a:solidFill>
+                <a:schemeClr val="tx1"/>
+              </a:solidFill>
+            </a:endParaRPr>
+          </a:p>
+        </p:txBody>
+      </p:sp>
+      <p:cxnSp>
+        <p:nvCxnSpPr>
+          <p:cNvPr id="49" name="直接连接符 48"/>
+          <p:cNvCxnSpPr/>
+          <p:nvPr/>
+        </p:nvCxnSpPr>
+        <p:spPr>
+          <a:xfrm>
+            <a:off x="5615897" y="2656240"/>
+            <a:ext cx="0" cy="124428"/>
+          </a:xfrm>
+          <a:prstGeom prst="line">
+            <a:avLst/>
+          </a:prstGeom>
+          <a:ln w="12700">
+            <a:solidFill>
+              <a:schemeClr val="tx1"/>
+            </a:solidFill>
+          </a:ln>
+        </p:spPr>
+        <p:style>
+          <a:lnRef idx="1">
+            <a:schemeClr val="accent1"/>
+          </a:lnRef>
+          <a:fillRef idx="0">
+            <a:schemeClr val="accent1"/>
+          </a:fillRef>
+          <a:effectRef idx="0">
+            <a:schemeClr val="accent1"/>
+          </a:effectRef>
+          <a:fontRef idx="minor">
+            <a:schemeClr val="tx1"/>
+          </a:fontRef>
+        </p:style>
+      </p:cxnSp>
+      <p:cxnSp>
+        <p:nvCxnSpPr>
+          <p:cNvPr id="50" name="直接连接符 49"/>
+          <p:cNvCxnSpPr/>
+          <p:nvPr/>
+        </p:nvCxnSpPr>
+        <p:spPr>
+          <a:xfrm>
+            <a:off x="4917441" y="2780668"/>
+            <a:ext cx="1363428" cy="7950"/>
+          </a:xfrm>
+          <a:prstGeom prst="line">
+            <a:avLst/>
+          </a:prstGeom>
+          <a:ln w="12700">
+            <a:solidFill>
+              <a:schemeClr val="tx1"/>
+            </a:solidFill>
+          </a:ln>
+        </p:spPr>
+        <p:style>
+          <a:lnRef idx="1">
+            <a:schemeClr val="accent1"/>
+          </a:lnRef>
+          <a:fillRef idx="0">
+            <a:schemeClr val="accent1"/>
+          </a:fillRef>
+          <a:effectRef idx="0">
+            <a:schemeClr val="accent1"/>
+          </a:effectRef>
+          <a:fontRef idx="minor">
+            <a:schemeClr val="tx1"/>
+          </a:fontRef>
+        </p:style>
+      </p:cxnSp>
+      <p:cxnSp>
+        <p:nvCxnSpPr>
+          <p:cNvPr id="51" name="直接箭头连接符 50"/>
+          <p:cNvCxnSpPr/>
+          <p:nvPr/>
+        </p:nvCxnSpPr>
+        <p:spPr>
+          <a:xfrm>
+            <a:off x="4924382" y="2788618"/>
+            <a:ext cx="0" cy="302155"/>
+          </a:xfrm>
+          <a:prstGeom prst="straightConnector1">
+            <a:avLst/>
+          </a:prstGeom>
+          <a:ln w="12700">
+            <a:solidFill>
+              <a:schemeClr val="tx1"/>
+            </a:solidFill>
+            <a:tailEnd type="triangle"/>
+          </a:ln>
+        </p:spPr>
+        <p:style>
+          <a:lnRef idx="1">
+            <a:schemeClr val="accent1"/>
+          </a:lnRef>
+          <a:fillRef idx="0">
+            <a:schemeClr val="accent1"/>
+          </a:fillRef>
+          <a:effectRef idx="0">
+            <a:schemeClr val="accent1"/>
+          </a:effectRef>
+          <a:fontRef idx="minor">
+            <a:schemeClr val="tx1"/>
+          </a:fontRef>
+        </p:style>
+      </p:cxnSp>
+      <p:cxnSp>
+        <p:nvCxnSpPr>
+          <p:cNvPr id="52" name="直接箭头连接符 51"/>
+          <p:cNvCxnSpPr/>
+          <p:nvPr/>
+        </p:nvCxnSpPr>
+        <p:spPr>
+          <a:xfrm>
+            <a:off x="5615897" y="2788618"/>
+            <a:ext cx="0" cy="302155"/>
+          </a:xfrm>
+          <a:prstGeom prst="straightConnector1">
+            <a:avLst/>
+          </a:prstGeom>
+          <a:ln w="12700">
+            <a:solidFill>
+              <a:schemeClr val="tx1"/>
+            </a:solidFill>
+            <a:tailEnd type="triangle"/>
+          </a:ln>
+        </p:spPr>
+        <p:style>
+          <a:lnRef idx="1">
+            <a:schemeClr val="accent1"/>
+          </a:lnRef>
+          <a:fillRef idx="0">
+            <a:schemeClr val="accent1"/>
+          </a:fillRef>
+          <a:effectRef idx="0">
+            <a:schemeClr val="accent1"/>
+          </a:effectRef>
+          <a:fontRef idx="minor">
+            <a:schemeClr val="tx1"/>
+          </a:fontRef>
+        </p:style>
+      </p:cxnSp>
+      <p:cxnSp>
+        <p:nvCxnSpPr>
+          <p:cNvPr id="57" name="直接箭头连接符 56"/>
+          <p:cNvCxnSpPr/>
+          <p:nvPr/>
+        </p:nvCxnSpPr>
+        <p:spPr>
+          <a:xfrm>
+            <a:off x="6280439" y="2788618"/>
+            <a:ext cx="0" cy="302155"/>
+          </a:xfrm>
+          <a:prstGeom prst="straightConnector1">
+            <a:avLst/>
+          </a:prstGeom>
+          <a:ln w="12700">
+            <a:solidFill>
+              <a:schemeClr val="tx1"/>
+            </a:solidFill>
+            <a:tailEnd type="triangle"/>
+          </a:ln>
+        </p:spPr>
+        <p:style>
+          <a:lnRef idx="1">
+            <a:schemeClr val="accent1"/>
+          </a:lnRef>
+          <a:fillRef idx="0">
+            <a:schemeClr val="accent1"/>
+          </a:fillRef>
+          <a:effectRef idx="0">
+            <a:schemeClr val="accent1"/>
+          </a:effectRef>
+          <a:fontRef idx="minor">
+            <a:schemeClr val="tx1"/>
+          </a:fontRef>
+        </p:style>
+      </p:cxnSp>
+    </p:spTree>
+    <p:extLst>
+      <p:ext uri="{BB962C8B-B14F-4D97-AF65-F5344CB8AC3E}">
+        <p14:creationId xmlns:p14="http://schemas.microsoft.com/office/powerpoint/2010/main" val="4224756890"/>
+      </p:ext>
+    </p:extLst>
+  </p:cSld>
+  <p:clrMapOvr>
+    <a:masterClrMapping/>
+  </p:clrMapOvr>
+</p:sld>
+</file>
+
+<file path=ppt/slides/slide5.xml><?xml version="1.0" encoding="utf-8"?>
+<p:sld xmlns:a="http://schemas.openxmlformats.org/drawingml/2006/main" xmlns:r="http://schemas.openxmlformats.org/officeDocument/2006/relationships" xmlns:p="http://schemas.openxmlformats.org/presentationml/2006/main">
+  <p:cSld>
+    <p:spTree>
+      <p:nvGrpSpPr>
+        <p:cNvPr id="1" name=""/>
+        <p:cNvGrpSpPr/>
+        <p:nvPr/>
+      </p:nvGrpSpPr>
+      <p:grpSpPr>
+        <a:xfrm>
+          <a:off x="0" y="0"/>
+          <a:ext cx="0" cy="0"/>
+          <a:chOff x="0" y="0"/>
+          <a:chExt cx="0" cy="0"/>
+        </a:xfrm>
+      </p:grpSpPr>
+      <p:sp>
+        <p:nvSpPr>
+          <p:cNvPr id="7" name="矩形 6"/>
+          <p:cNvSpPr/>
+          <p:nvPr/>
+        </p:nvSpPr>
+        <p:spPr>
+          <a:xfrm>
+            <a:off x="5172688" y="1411281"/>
+            <a:ext cx="1586975" cy="464540"/>
+          </a:xfrm>
+          <a:prstGeom prst="rect">
+            <a:avLst/>
+          </a:prstGeom>
+          <a:solidFill>
+            <a:schemeClr val="bg1"/>
+          </a:solidFill>
+          <a:ln>
+            <a:solidFill>
+              <a:schemeClr val="tx1"/>
+            </a:solidFill>
+          </a:ln>
+        </p:spPr>
+        <p:style>
+          <a:lnRef idx="2">
+            <a:schemeClr val="accent1">
+              <a:shade val="50000"/>
+            </a:schemeClr>
+          </a:lnRef>
+          <a:fillRef idx="1">
+            <a:schemeClr val="accent1"/>
+          </a:fillRef>
+          <a:effectRef idx="0">
+            <a:schemeClr val="accent1"/>
+          </a:effectRef>
+          <a:fontRef idx="minor">
+            <a:schemeClr val="lt1"/>
+          </a:fontRef>
+        </p:style>
+        <p:txBody>
+          <a:bodyPr rtlCol="0" anchor="ctr"/>
+          <a:lstStyle/>
+          <a:p>
+            <a:pPr algn="ctr"/>
+            <a:r>
+              <a:rPr lang="zh-CN" altLang="en-US" dirty="0">
+                <a:solidFill>
+                  <a:schemeClr val="tx1"/>
+                </a:solidFill>
+              </a:rPr>
+              <a:t>管理员</a:t>
+            </a:r>
+          </a:p>
+        </p:txBody>
+      </p:sp>
+      <p:sp>
+        <p:nvSpPr>
+          <p:cNvPr id="13" name="矩形 12"/>
+          <p:cNvSpPr/>
+          <p:nvPr/>
+        </p:nvSpPr>
+        <p:spPr>
+          <a:xfrm>
+            <a:off x="3614302" y="2306437"/>
+            <a:ext cx="535580" cy="2448443"/>
+          </a:xfrm>
+          <a:prstGeom prst="rect">
+            <a:avLst/>
+          </a:prstGeom>
+          <a:solidFill>
+            <a:schemeClr val="bg1"/>
+          </a:solidFill>
+          <a:ln>
+            <a:solidFill>
+              <a:schemeClr val="tx1"/>
+            </a:solidFill>
+          </a:ln>
+        </p:spPr>
+        <p:style>
+          <a:lnRef idx="2">
+            <a:schemeClr val="accent1">
+              <a:shade val="50000"/>
+            </a:schemeClr>
+          </a:lnRef>
+          <a:fillRef idx="1">
+            <a:schemeClr val="accent1"/>
+          </a:fillRef>
+          <a:effectRef idx="0">
+            <a:schemeClr val="accent1"/>
+          </a:effectRef>
+          <a:fontRef idx="minor">
+            <a:schemeClr val="lt1"/>
+          </a:fontRef>
+        </p:style>
+        <p:txBody>
+          <a:bodyPr rtlCol="0" anchor="ctr"/>
+          <a:lstStyle/>
+          <a:p>
+            <a:pPr algn="ctr"/>
+            <a:r>
+              <a:rPr lang="zh-CN" altLang="en-US" dirty="0">
+                <a:solidFill>
+                  <a:schemeClr val="tx1"/>
+                </a:solidFill>
+              </a:rPr>
+              <a:t>创建竞赛</a:t>
+            </a:r>
+          </a:p>
+        </p:txBody>
+      </p:sp>
+      <p:sp>
+        <p:nvSpPr>
+          <p:cNvPr id="19" name="矩形 18"/>
+          <p:cNvSpPr/>
+          <p:nvPr/>
+        </p:nvSpPr>
+        <p:spPr>
+          <a:xfrm>
+            <a:off x="4663691" y="2306439"/>
+            <a:ext cx="535580" cy="2448442"/>
+          </a:xfrm>
+          <a:prstGeom prst="rect">
+            <a:avLst/>
+          </a:prstGeom>
+          <a:solidFill>
+            <a:schemeClr val="bg1"/>
+          </a:solidFill>
+          <a:ln>
+            <a:solidFill>
+              <a:schemeClr val="tx1"/>
+            </a:solidFill>
+          </a:ln>
+        </p:spPr>
+        <p:style>
+          <a:lnRef idx="2">
+            <a:schemeClr val="accent1">
+              <a:shade val="50000"/>
+            </a:schemeClr>
+          </a:lnRef>
+          <a:fillRef idx="1">
+            <a:schemeClr val="accent1"/>
+          </a:fillRef>
+          <a:effectRef idx="0">
+            <a:schemeClr val="accent1"/>
+          </a:effectRef>
+          <a:fontRef idx="minor">
+            <a:schemeClr val="lt1"/>
+          </a:fontRef>
+        </p:style>
+        <p:txBody>
+          <a:bodyPr rtlCol="0" anchor="ctr"/>
+          <a:lstStyle/>
+          <a:p>
+            <a:pPr algn="ctr"/>
+            <a:r>
+              <a:rPr lang="zh-CN" altLang="en-US" dirty="0">
+                <a:solidFill>
+                  <a:schemeClr val="tx1"/>
+                </a:solidFill>
+              </a:rPr>
+              <a:t>编辑竞赛信息</a:t>
+            </a:r>
+          </a:p>
+        </p:txBody>
+      </p:sp>
+      <p:sp>
+        <p:nvSpPr>
+          <p:cNvPr id="20" name="矩形 19"/>
+          <p:cNvSpPr/>
+          <p:nvPr/>
+        </p:nvSpPr>
+        <p:spPr>
+          <a:xfrm>
+            <a:off x="5711501" y="2306437"/>
+            <a:ext cx="535580" cy="2448443"/>
+          </a:xfrm>
+          <a:prstGeom prst="rect">
+            <a:avLst/>
+          </a:prstGeom>
+          <a:solidFill>
+            <a:schemeClr val="bg1"/>
+          </a:solidFill>
+          <a:ln>
+            <a:solidFill>
+              <a:schemeClr val="tx1"/>
+            </a:solidFill>
+          </a:ln>
+        </p:spPr>
+        <p:style>
+          <a:lnRef idx="2">
+            <a:schemeClr val="accent1">
+              <a:shade val="50000"/>
+            </a:schemeClr>
+          </a:lnRef>
+          <a:fillRef idx="1">
+            <a:schemeClr val="accent1"/>
+          </a:fillRef>
+          <a:effectRef idx="0">
+            <a:schemeClr val="accent1"/>
+          </a:effectRef>
+          <a:fontRef idx="minor">
+            <a:schemeClr val="lt1"/>
+          </a:fontRef>
+        </p:style>
+        <p:txBody>
+          <a:bodyPr rtlCol="0" anchor="ctr"/>
+          <a:lstStyle/>
+          <a:p>
+            <a:pPr algn="ctr"/>
+            <a:r>
+              <a:rPr lang="zh-CN" altLang="en-US" dirty="0">
+                <a:solidFill>
+                  <a:schemeClr val="tx1"/>
+                </a:solidFill>
+              </a:rPr>
+              <a:t>队伍审核</a:t>
+            </a:r>
+          </a:p>
+        </p:txBody>
+      </p:sp>
+      <p:sp>
+        <p:nvSpPr>
+          <p:cNvPr id="26" name="矩形 25"/>
+          <p:cNvSpPr/>
+          <p:nvPr/>
+        </p:nvSpPr>
+        <p:spPr>
+          <a:xfrm>
+            <a:off x="6724820" y="2306437"/>
+            <a:ext cx="535580" cy="2448443"/>
+          </a:xfrm>
+          <a:prstGeom prst="rect">
+            <a:avLst/>
+          </a:prstGeom>
+          <a:solidFill>
+            <a:schemeClr val="bg1"/>
+          </a:solidFill>
+          <a:ln>
+            <a:solidFill>
+              <a:schemeClr val="tx1"/>
+            </a:solidFill>
+          </a:ln>
+        </p:spPr>
+        <p:style>
+          <a:lnRef idx="2">
+            <a:schemeClr val="accent1">
+              <a:shade val="50000"/>
+            </a:schemeClr>
+          </a:lnRef>
+          <a:fillRef idx="1">
+            <a:schemeClr val="accent1"/>
+          </a:fillRef>
+          <a:effectRef idx="0">
+            <a:schemeClr val="accent1"/>
+          </a:effectRef>
+          <a:fontRef idx="minor">
+            <a:schemeClr val="lt1"/>
+          </a:fontRef>
+        </p:style>
+        <p:txBody>
+          <a:bodyPr rtlCol="0" anchor="ctr"/>
+          <a:lstStyle/>
+          <a:p>
+            <a:pPr algn="ctr"/>
+            <a:r>
+              <a:rPr lang="zh-CN" altLang="en-US" dirty="0">
+                <a:solidFill>
+                  <a:schemeClr val="tx1"/>
+                </a:solidFill>
+              </a:rPr>
+              <a:t>系统定时开放</a:t>
+            </a:r>
+          </a:p>
+        </p:txBody>
+      </p:sp>
+      <p:sp>
+        <p:nvSpPr>
+          <p:cNvPr id="27" name="矩形 26"/>
+          <p:cNvSpPr/>
+          <p:nvPr/>
+        </p:nvSpPr>
+        <p:spPr>
+          <a:xfrm>
+            <a:off x="7742338" y="2306437"/>
+            <a:ext cx="535580" cy="2448443"/>
+          </a:xfrm>
+          <a:prstGeom prst="rect">
+            <a:avLst/>
+          </a:prstGeom>
+          <a:solidFill>
+            <a:schemeClr val="bg1"/>
+          </a:solidFill>
+          <a:ln>
+            <a:solidFill>
+              <a:schemeClr val="tx1"/>
+            </a:solidFill>
+          </a:ln>
+        </p:spPr>
+        <p:style>
+          <a:lnRef idx="2">
+            <a:schemeClr val="accent1">
+              <a:shade val="50000"/>
+            </a:schemeClr>
+          </a:lnRef>
+          <a:fillRef idx="1">
+            <a:schemeClr val="accent1"/>
+          </a:fillRef>
+          <a:effectRef idx="0">
+            <a:schemeClr val="accent1"/>
+          </a:effectRef>
+          <a:fontRef idx="minor">
+            <a:schemeClr val="lt1"/>
+          </a:fontRef>
+        </p:style>
+        <p:txBody>
+          <a:bodyPr rtlCol="0" anchor="ctr"/>
+          <a:lstStyle/>
+          <a:p>
+            <a:pPr algn="ctr"/>
+            <a:r>
+              <a:rPr lang="zh-CN" altLang="en-US" dirty="0">
+                <a:solidFill>
+                  <a:schemeClr val="tx1"/>
+                </a:solidFill>
+              </a:rPr>
+              <a:t>会员管理</a:t>
+            </a:r>
+          </a:p>
+        </p:txBody>
+      </p:sp>
+      <p:cxnSp>
+        <p:nvCxnSpPr>
+          <p:cNvPr id="42" name="直接连接符 41"/>
+          <p:cNvCxnSpPr/>
+          <p:nvPr/>
+        </p:nvCxnSpPr>
+        <p:spPr>
+          <a:xfrm>
+            <a:off x="5979519" y="1871906"/>
+            <a:ext cx="0" cy="124428"/>
+          </a:xfrm>
+          <a:prstGeom prst="line">
+            <a:avLst/>
+          </a:prstGeom>
+          <a:ln w="12700">
+            <a:solidFill>
+              <a:schemeClr val="tx1"/>
+            </a:solidFill>
+          </a:ln>
+        </p:spPr>
+        <p:style>
+          <a:lnRef idx="1">
+            <a:schemeClr val="accent1"/>
+          </a:lnRef>
+          <a:fillRef idx="0">
+            <a:schemeClr val="accent1"/>
+          </a:fillRef>
+          <a:effectRef idx="0">
+            <a:schemeClr val="accent1"/>
+          </a:effectRef>
+          <a:fontRef idx="minor">
+            <a:schemeClr val="tx1"/>
+          </a:fontRef>
+        </p:style>
+      </p:cxnSp>
+      <p:cxnSp>
+        <p:nvCxnSpPr>
+          <p:cNvPr id="43" name="直接连接符 42"/>
+          <p:cNvCxnSpPr/>
+          <p:nvPr/>
+        </p:nvCxnSpPr>
+        <p:spPr>
+          <a:xfrm>
+            <a:off x="3867565" y="1996334"/>
+            <a:ext cx="4112056" cy="7950"/>
+          </a:xfrm>
+          <a:prstGeom prst="line">
+            <a:avLst/>
+          </a:prstGeom>
+          <a:ln w="12700">
+            <a:solidFill>
+              <a:schemeClr val="tx1"/>
+            </a:solidFill>
+          </a:ln>
+        </p:spPr>
+        <p:style>
+          <a:lnRef idx="1">
+            <a:schemeClr val="accent1"/>
+          </a:lnRef>
+          <a:fillRef idx="0">
+            <a:schemeClr val="accent1"/>
+          </a:fillRef>
+          <a:effectRef idx="0">
+            <a:schemeClr val="accent1"/>
+          </a:effectRef>
+          <a:fontRef idx="minor">
+            <a:schemeClr val="tx1"/>
+          </a:fontRef>
+        </p:style>
+      </p:cxnSp>
+      <p:cxnSp>
+        <p:nvCxnSpPr>
+          <p:cNvPr id="44" name="直接箭头连接符 43"/>
+          <p:cNvCxnSpPr/>
+          <p:nvPr/>
+        </p:nvCxnSpPr>
+        <p:spPr>
+          <a:xfrm>
+            <a:off x="3863255" y="2004284"/>
+            <a:ext cx="0" cy="302155"/>
+          </a:xfrm>
+          <a:prstGeom prst="straightConnector1">
+            <a:avLst/>
+          </a:prstGeom>
+          <a:ln w="12700">
+            <a:solidFill>
+              <a:schemeClr val="tx1"/>
+            </a:solidFill>
+            <a:tailEnd type="triangle"/>
+          </a:ln>
+        </p:spPr>
+        <p:style>
+          <a:lnRef idx="1">
+            <a:schemeClr val="accent1"/>
+          </a:lnRef>
+          <a:fillRef idx="0">
+            <a:schemeClr val="accent1"/>
+          </a:fillRef>
+          <a:effectRef idx="0">
+            <a:schemeClr val="accent1"/>
+          </a:effectRef>
+          <a:fontRef idx="minor">
+            <a:schemeClr val="tx1"/>
+          </a:fontRef>
+        </p:style>
+      </p:cxnSp>
+      <p:cxnSp>
+        <p:nvCxnSpPr>
+          <p:cNvPr id="53" name="直接箭头连接符 52"/>
+          <p:cNvCxnSpPr/>
+          <p:nvPr/>
+        </p:nvCxnSpPr>
+        <p:spPr>
+          <a:xfrm>
+            <a:off x="4939848" y="2004284"/>
+            <a:ext cx="0" cy="302155"/>
+          </a:xfrm>
+          <a:prstGeom prst="straightConnector1">
+            <a:avLst/>
+          </a:prstGeom>
+          <a:ln w="12700">
+            <a:solidFill>
+              <a:schemeClr val="tx1"/>
+            </a:solidFill>
+            <a:tailEnd type="triangle"/>
+          </a:ln>
+        </p:spPr>
+        <p:style>
+          <a:lnRef idx="1">
+            <a:schemeClr val="accent1"/>
+          </a:lnRef>
+          <a:fillRef idx="0">
+            <a:schemeClr val="accent1"/>
+          </a:fillRef>
+          <a:effectRef idx="0">
+            <a:schemeClr val="accent1"/>
+          </a:effectRef>
+          <a:fontRef idx="minor">
+            <a:schemeClr val="tx1"/>
+          </a:fontRef>
+        </p:style>
+      </p:cxnSp>
+      <p:cxnSp>
+        <p:nvCxnSpPr>
+          <p:cNvPr id="54" name="直接箭头连接符 53"/>
+          <p:cNvCxnSpPr/>
+          <p:nvPr/>
+        </p:nvCxnSpPr>
+        <p:spPr>
+          <a:xfrm>
+            <a:off x="5979291" y="2017336"/>
+            <a:ext cx="0" cy="302155"/>
+          </a:xfrm>
+          <a:prstGeom prst="straightConnector1">
+            <a:avLst/>
+          </a:prstGeom>
+          <a:ln w="12700">
+            <a:solidFill>
+              <a:schemeClr val="tx1"/>
+            </a:solidFill>
+            <a:tailEnd type="triangle"/>
+          </a:ln>
+        </p:spPr>
+        <p:style>
+          <a:lnRef idx="1">
+            <a:schemeClr val="accent1"/>
+          </a:lnRef>
+          <a:fillRef idx="0">
+            <a:schemeClr val="accent1"/>
+          </a:fillRef>
+          <a:effectRef idx="0">
+            <a:schemeClr val="accent1"/>
+          </a:effectRef>
+          <a:fontRef idx="minor">
+            <a:schemeClr val="tx1"/>
+          </a:fontRef>
+        </p:style>
+      </p:cxnSp>
+      <p:cxnSp>
+        <p:nvCxnSpPr>
+          <p:cNvPr id="55" name="直接箭头连接符 54"/>
+          <p:cNvCxnSpPr/>
+          <p:nvPr/>
+        </p:nvCxnSpPr>
+        <p:spPr>
+          <a:xfrm>
+            <a:off x="6992610" y="2004284"/>
+            <a:ext cx="0" cy="302155"/>
+          </a:xfrm>
+          <a:prstGeom prst="straightConnector1">
+            <a:avLst/>
+          </a:prstGeom>
+          <a:ln w="12700">
+            <a:solidFill>
+              <a:schemeClr val="tx1"/>
+            </a:solidFill>
+            <a:tailEnd type="triangle"/>
+          </a:ln>
+        </p:spPr>
+        <p:style>
+          <a:lnRef idx="1">
+            <a:schemeClr val="accent1"/>
+          </a:lnRef>
+          <a:fillRef idx="0">
+            <a:schemeClr val="accent1"/>
+          </a:fillRef>
+          <a:effectRef idx="0">
+            <a:schemeClr val="accent1"/>
+          </a:effectRef>
+          <a:fontRef idx="minor">
+            <a:schemeClr val="tx1"/>
+          </a:fontRef>
+        </p:style>
+      </p:cxnSp>
+      <p:cxnSp>
+        <p:nvCxnSpPr>
+          <p:cNvPr id="56" name="直接箭头连接符 55"/>
+          <p:cNvCxnSpPr/>
+          <p:nvPr/>
+        </p:nvCxnSpPr>
+        <p:spPr>
+          <a:xfrm>
+            <a:off x="7978877" y="2004273"/>
+            <a:ext cx="0" cy="302155"/>
+          </a:xfrm>
+          <a:prstGeom prst="straightConnector1">
+            <a:avLst/>
+          </a:prstGeom>
+          <a:ln w="12700">
+            <a:solidFill>
+              <a:schemeClr val="tx1"/>
+            </a:solidFill>
+            <a:tailEnd type="triangle"/>
+          </a:ln>
+        </p:spPr>
+        <p:style>
+          <a:lnRef idx="1">
+            <a:schemeClr val="accent1"/>
+          </a:lnRef>
+          <a:fillRef idx="0">
+            <a:schemeClr val="accent1"/>
+          </a:fillRef>
+          <a:effectRef idx="0">
+            <a:schemeClr val="accent1"/>
+          </a:effectRef>
+          <a:fontRef idx="minor">
+            <a:schemeClr val="tx1"/>
+          </a:fontRef>
+        </p:style>
+      </p:cxnSp>
+    </p:spTree>
+    <p:extLst>
+      <p:ext uri="{BB962C8B-B14F-4D97-AF65-F5344CB8AC3E}">
+        <p14:creationId xmlns:p14="http://schemas.microsoft.com/office/powerpoint/2010/main" val="1564619602"/>
+      </p:ext>
+    </p:extLst>
+  </p:cSld>
+  <p:clrMapOvr>
+    <a:masterClrMapping/>
+  </p:clrMapOvr>
+</p:sld>
+</file>
+
+<file path=ppt/slides/slide6.xml><?xml version="1.0" encoding="utf-8"?>
+<p:sld xmlns:a="http://schemas.openxmlformats.org/drawingml/2006/main" xmlns:r="http://schemas.openxmlformats.org/officeDocument/2006/relationships" xmlns:p="http://schemas.openxmlformats.org/presentationml/2006/main">
+  <p:cSld>
+    <p:spTree>
+      <p:nvGrpSpPr>
+        <p:cNvPr id="1" name=""/>
+        <p:cNvGrpSpPr/>
+        <p:nvPr/>
+      </p:nvGrpSpPr>
+      <p:grpSpPr>
+        <a:xfrm>
+          <a:off x="0" y="0"/>
+          <a:ext cx="0" cy="0"/>
+          <a:chOff x="0" y="0"/>
+          <a:chExt cx="0" cy="0"/>
+        </a:xfrm>
+      </p:grpSpPr>
+      <p:sp>
+        <p:nvSpPr>
+          <p:cNvPr id="4" name="矩形 3"/>
+          <p:cNvSpPr/>
+          <p:nvPr/>
+        </p:nvSpPr>
+        <p:spPr>
+          <a:xfrm>
+            <a:off x="362783" y="496881"/>
+            <a:ext cx="1586975" cy="464540"/>
+          </a:xfrm>
+          <a:prstGeom prst="rect">
+            <a:avLst/>
+          </a:prstGeom>
+          <a:solidFill>
+            <a:schemeClr val="bg1"/>
+          </a:solidFill>
+          <a:ln>
+            <a:solidFill>
+              <a:schemeClr val="tx1"/>
+            </a:solidFill>
+          </a:ln>
+        </p:spPr>
+        <p:style>
+          <a:lnRef idx="2">
+            <a:schemeClr val="accent1">
+              <a:shade val="50000"/>
+            </a:schemeClr>
+          </a:lnRef>
+          <a:fillRef idx="1">
+            <a:schemeClr val="accent1"/>
+          </a:fillRef>
+          <a:effectRef idx="0">
+            <a:schemeClr val="accent1"/>
+          </a:effectRef>
+          <a:fontRef idx="minor">
+            <a:schemeClr val="lt1"/>
+          </a:fontRef>
+        </p:style>
+        <p:txBody>
+          <a:bodyPr rtlCol="0" anchor="ctr"/>
+          <a:lstStyle/>
+          <a:p>
+            <a:pPr algn="ctr"/>
+            <a:r>
+              <a:rPr lang="zh-CN" altLang="en-US" dirty="0">
+                <a:solidFill>
+                  <a:schemeClr val="tx1"/>
+                </a:solidFill>
+              </a:rPr>
+              <a:t>学生</a:t>
+            </a:r>
+          </a:p>
+        </p:txBody>
+      </p:sp>
+      <p:sp>
+        <p:nvSpPr>
+          <p:cNvPr id="21" name="矩形 20"/>
+          <p:cNvSpPr/>
+          <p:nvPr/>
+        </p:nvSpPr>
+        <p:spPr>
+          <a:xfrm>
+            <a:off x="584965" y="1413804"/>
+            <a:ext cx="442628" cy="2782389"/>
+          </a:xfrm>
+          <a:prstGeom prst="rect">
+            <a:avLst/>
+          </a:prstGeom>
+          <a:solidFill>
+            <a:schemeClr val="bg1"/>
+          </a:solidFill>
+          <a:ln>
+            <a:solidFill>
+              <a:schemeClr val="tx1"/>
+            </a:solidFill>
+          </a:ln>
+        </p:spPr>
+        <p:style>
+          <a:lnRef idx="2">
+            <a:schemeClr val="accent1">
+              <a:shade val="50000"/>
+            </a:schemeClr>
+          </a:lnRef>
+          <a:fillRef idx="1">
+            <a:schemeClr val="accent1"/>
+          </a:fillRef>
+          <a:effectRef idx="0">
+            <a:schemeClr val="accent1"/>
+          </a:effectRef>
+          <a:fontRef idx="minor">
+            <a:schemeClr val="lt1"/>
+          </a:fontRef>
+        </p:style>
+        <p:txBody>
+          <a:bodyPr rtlCol="0" anchor="ctr"/>
+          <a:lstStyle/>
+          <a:p>
+            <a:pPr algn="ctr"/>
+            <a:r>
+              <a:rPr lang="zh-CN" altLang="en-US" dirty="0" smtClean="0">
+                <a:solidFill>
+                  <a:schemeClr val="tx1"/>
+                </a:solidFill>
+              </a:rPr>
+              <a:t>竞赛浏览</a:t>
+            </a:r>
+            <a:endParaRPr lang="zh-CN" altLang="en-US" dirty="0">
+              <a:solidFill>
+                <a:schemeClr val="tx1"/>
+              </a:solidFill>
+            </a:endParaRPr>
+          </a:p>
+        </p:txBody>
+      </p:sp>
+      <p:sp>
+        <p:nvSpPr>
+          <p:cNvPr id="22" name="矩形 21"/>
+          <p:cNvSpPr/>
+          <p:nvPr/>
+        </p:nvSpPr>
+        <p:spPr>
+          <a:xfrm>
+            <a:off x="1275819" y="1413803"/>
+            <a:ext cx="442628" cy="2782389"/>
+          </a:xfrm>
+          <a:prstGeom prst="rect">
+            <a:avLst/>
+          </a:prstGeom>
+          <a:solidFill>
+            <a:schemeClr val="bg1"/>
+          </a:solidFill>
+          <a:ln>
+            <a:solidFill>
+              <a:schemeClr val="tx1"/>
+            </a:solidFill>
+          </a:ln>
+        </p:spPr>
+        <p:style>
+          <a:lnRef idx="2">
+            <a:schemeClr val="accent1">
+              <a:shade val="50000"/>
+            </a:schemeClr>
+          </a:lnRef>
+          <a:fillRef idx="1">
+            <a:schemeClr val="accent1"/>
+          </a:fillRef>
+          <a:effectRef idx="0">
+            <a:schemeClr val="accent1"/>
+          </a:effectRef>
+          <a:fontRef idx="minor">
+            <a:schemeClr val="lt1"/>
+          </a:fontRef>
+        </p:style>
+        <p:txBody>
+          <a:bodyPr rtlCol="0" anchor="ctr"/>
+          <a:lstStyle/>
+          <a:p>
+            <a:pPr algn="ctr"/>
+            <a:r>
+              <a:rPr lang="zh-CN" altLang="en-US" dirty="0">
+                <a:solidFill>
+                  <a:schemeClr val="tx1"/>
+                </a:solidFill>
+              </a:rPr>
+              <a:t>提交作品</a:t>
+            </a:r>
+          </a:p>
+        </p:txBody>
+      </p:sp>
+      <p:cxnSp>
+        <p:nvCxnSpPr>
+          <p:cNvPr id="23" name="直接连接符 22"/>
+          <p:cNvCxnSpPr/>
+          <p:nvPr/>
+        </p:nvCxnSpPr>
+        <p:spPr>
+          <a:xfrm>
+            <a:off x="1136077" y="979832"/>
+            <a:ext cx="0" cy="124428"/>
+          </a:xfrm>
+          <a:prstGeom prst="line">
+            <a:avLst/>
+          </a:prstGeom>
+          <a:ln w="12700">
+            <a:solidFill>
+              <a:schemeClr val="tx1"/>
+            </a:solidFill>
+          </a:ln>
+        </p:spPr>
+        <p:style>
+          <a:lnRef idx="1">
+            <a:schemeClr val="accent1"/>
+          </a:lnRef>
+          <a:fillRef idx="0">
+            <a:schemeClr val="accent1"/>
+          </a:fillRef>
+          <a:effectRef idx="0">
+            <a:schemeClr val="accent1"/>
+          </a:effectRef>
+          <a:fontRef idx="minor">
+            <a:schemeClr val="tx1"/>
+          </a:fontRef>
+        </p:style>
+      </p:cxnSp>
+      <p:cxnSp>
+        <p:nvCxnSpPr>
+          <p:cNvPr id="24" name="直接连接符 23"/>
+          <p:cNvCxnSpPr/>
+          <p:nvPr/>
+        </p:nvCxnSpPr>
+        <p:spPr>
+          <a:xfrm>
+            <a:off x="726574" y="1104260"/>
+            <a:ext cx="769620" cy="7950"/>
+          </a:xfrm>
+          <a:prstGeom prst="line">
+            <a:avLst/>
+          </a:prstGeom>
+          <a:ln w="12700">
+            <a:solidFill>
+              <a:schemeClr val="tx1"/>
+            </a:solidFill>
+          </a:ln>
+        </p:spPr>
+        <p:style>
+          <a:lnRef idx="1">
+            <a:schemeClr val="accent1"/>
+          </a:lnRef>
+          <a:fillRef idx="0">
+            <a:schemeClr val="accent1"/>
+          </a:fillRef>
+          <a:effectRef idx="0">
+            <a:schemeClr val="accent1"/>
+          </a:effectRef>
+          <a:fontRef idx="minor">
+            <a:schemeClr val="tx1"/>
+          </a:fontRef>
+        </p:style>
+      </p:cxnSp>
+      <p:cxnSp>
+        <p:nvCxnSpPr>
+          <p:cNvPr id="25" name="直接箭头连接符 24"/>
+          <p:cNvCxnSpPr/>
+          <p:nvPr/>
+        </p:nvCxnSpPr>
+        <p:spPr>
+          <a:xfrm>
+            <a:off x="734525" y="1111652"/>
+            <a:ext cx="0" cy="302155"/>
+          </a:xfrm>
+          <a:prstGeom prst="straightConnector1">
+            <a:avLst/>
+          </a:prstGeom>
+          <a:ln w="12700">
+            <a:solidFill>
+              <a:schemeClr val="tx1"/>
+            </a:solidFill>
+            <a:tailEnd type="triangle"/>
+          </a:ln>
+        </p:spPr>
+        <p:style>
+          <a:lnRef idx="1">
+            <a:schemeClr val="accent1"/>
+          </a:lnRef>
+          <a:fillRef idx="0">
+            <a:schemeClr val="accent1"/>
+          </a:fillRef>
+          <a:effectRef idx="0">
+            <a:schemeClr val="accent1"/>
+          </a:effectRef>
+          <a:fontRef idx="minor">
+            <a:schemeClr val="tx1"/>
+          </a:fontRef>
+        </p:style>
+      </p:cxnSp>
+      <p:cxnSp>
+        <p:nvCxnSpPr>
+          <p:cNvPr id="26" name="直接箭头连接符 25"/>
+          <p:cNvCxnSpPr/>
+          <p:nvPr/>
+        </p:nvCxnSpPr>
+        <p:spPr>
+          <a:xfrm>
+            <a:off x="1495492" y="1112210"/>
+            <a:ext cx="0" cy="302155"/>
+          </a:xfrm>
+          <a:prstGeom prst="straightConnector1">
+            <a:avLst/>
+          </a:prstGeom>
+          <a:ln w="12700">
+            <a:solidFill>
+              <a:schemeClr val="tx1"/>
+            </a:solidFill>
+            <a:tailEnd type="triangle"/>
+          </a:ln>
+        </p:spPr>
+        <p:style>
+          <a:lnRef idx="1">
+            <a:schemeClr val="accent1"/>
+          </a:lnRef>
+          <a:fillRef idx="0">
+            <a:schemeClr val="accent1"/>
+          </a:fillRef>
+          <a:effectRef idx="0">
+            <a:schemeClr val="accent1"/>
+          </a:effectRef>
+          <a:fontRef idx="minor">
+            <a:schemeClr val="tx1"/>
+          </a:fontRef>
+        </p:style>
+      </p:cxnSp>
+      <p:sp>
+        <p:nvSpPr>
+          <p:cNvPr id="27" name="矩形 26"/>
+          <p:cNvSpPr/>
+          <p:nvPr/>
+        </p:nvSpPr>
+        <p:spPr>
+          <a:xfrm>
+            <a:off x="5172688" y="1411281"/>
+            <a:ext cx="1586975" cy="464540"/>
+          </a:xfrm>
+          <a:prstGeom prst="rect">
+            <a:avLst/>
+          </a:prstGeom>
+          <a:solidFill>
+            <a:schemeClr val="bg1"/>
+          </a:solidFill>
+          <a:ln>
+            <a:solidFill>
+              <a:schemeClr val="tx1"/>
+            </a:solidFill>
+          </a:ln>
+        </p:spPr>
+        <p:style>
+          <a:lnRef idx="2">
+            <a:schemeClr val="accent1">
+              <a:shade val="50000"/>
+            </a:schemeClr>
+          </a:lnRef>
+          <a:fillRef idx="1">
+            <a:schemeClr val="accent1"/>
+          </a:fillRef>
+          <a:effectRef idx="0">
+            <a:schemeClr val="accent1"/>
+          </a:effectRef>
+          <a:fontRef idx="minor">
+            <a:schemeClr val="lt1"/>
+          </a:fontRef>
+        </p:style>
+        <p:txBody>
+          <a:bodyPr rtlCol="0" anchor="ctr"/>
+          <a:lstStyle/>
+          <a:p>
+            <a:pPr algn="ctr"/>
+            <a:r>
+              <a:rPr lang="zh-CN" altLang="en-US" dirty="0">
+                <a:solidFill>
+                  <a:schemeClr val="tx1"/>
+                </a:solidFill>
+              </a:rPr>
+              <a:t>学生</a:t>
+            </a:r>
+          </a:p>
+        </p:txBody>
+      </p:sp>
+      <p:sp>
+        <p:nvSpPr>
+          <p:cNvPr id="28" name="矩形 27"/>
+          <p:cNvSpPr/>
+          <p:nvPr/>
+        </p:nvSpPr>
+        <p:spPr>
+          <a:xfrm>
+            <a:off x="3626712" y="2306438"/>
+            <a:ext cx="589138" cy="2161060"/>
+          </a:xfrm>
+          <a:prstGeom prst="rect">
+            <a:avLst/>
+          </a:prstGeom>
+          <a:solidFill>
+            <a:schemeClr val="bg1"/>
+          </a:solidFill>
+          <a:ln>
+            <a:solidFill>
+              <a:schemeClr val="tx1"/>
+            </a:solidFill>
+          </a:ln>
+        </p:spPr>
+        <p:style>
+          <a:lnRef idx="2">
+            <a:schemeClr val="accent1">
+              <a:shade val="50000"/>
+            </a:schemeClr>
+          </a:lnRef>
+          <a:fillRef idx="1">
+            <a:schemeClr val="accent1"/>
+          </a:fillRef>
+          <a:effectRef idx="0">
+            <a:schemeClr val="accent1"/>
+          </a:effectRef>
+          <a:fontRef idx="minor">
+            <a:schemeClr val="lt1"/>
+          </a:fontRef>
+        </p:style>
+        <p:txBody>
+          <a:bodyPr rtlCol="0" anchor="ctr"/>
+          <a:lstStyle/>
+          <a:p>
+            <a:pPr algn="ctr"/>
+            <a:r>
+              <a:rPr lang="zh-CN" altLang="en-US" dirty="0" smtClean="0">
+                <a:solidFill>
+                  <a:schemeClr val="tx1"/>
+                </a:solidFill>
+              </a:rPr>
+              <a:t>竞</a:t>
+            </a:r>
+            <a:endParaRPr lang="en-US" altLang="zh-CN" dirty="0" smtClean="0">
+              <a:solidFill>
+                <a:schemeClr val="tx1"/>
+              </a:solidFill>
+            </a:endParaRPr>
+          </a:p>
+          <a:p>
+            <a:pPr algn="ctr"/>
+            <a:r>
+              <a:rPr lang="zh-CN" altLang="en-US" dirty="0" smtClean="0">
+                <a:solidFill>
+                  <a:schemeClr val="tx1"/>
+                </a:solidFill>
+              </a:rPr>
+              <a:t>赛</a:t>
+            </a:r>
+            <a:endParaRPr lang="en-US" altLang="zh-CN" dirty="0" smtClean="0">
+              <a:solidFill>
+                <a:schemeClr val="tx1"/>
+              </a:solidFill>
+            </a:endParaRPr>
+          </a:p>
+          <a:p>
+            <a:pPr algn="ctr"/>
+            <a:r>
+              <a:rPr lang="zh-CN" altLang="en-US" dirty="0" smtClean="0">
+                <a:solidFill>
+                  <a:schemeClr val="tx1"/>
+                </a:solidFill>
+              </a:rPr>
+              <a:t>浏</a:t>
+            </a:r>
+            <a:endParaRPr lang="en-US" altLang="zh-CN" dirty="0" smtClean="0">
+              <a:solidFill>
+                <a:schemeClr val="tx1"/>
+              </a:solidFill>
+            </a:endParaRPr>
+          </a:p>
+          <a:p>
+            <a:pPr algn="ctr"/>
+            <a:r>
+              <a:rPr lang="zh-CN" altLang="en-US" dirty="0" smtClean="0">
+                <a:solidFill>
+                  <a:schemeClr val="tx1"/>
+                </a:solidFill>
+              </a:rPr>
+              <a:t>览</a:t>
+            </a:r>
+            <a:endParaRPr lang="zh-CN" altLang="en-US" dirty="0">
+              <a:solidFill>
+                <a:schemeClr val="tx1"/>
+              </a:solidFill>
+            </a:endParaRPr>
+          </a:p>
+        </p:txBody>
+      </p:sp>
+      <p:sp>
+        <p:nvSpPr>
+          <p:cNvPr id="32" name="矩形 31"/>
+          <p:cNvSpPr/>
+          <p:nvPr/>
+        </p:nvSpPr>
+        <p:spPr>
+          <a:xfrm>
+            <a:off x="7754748" y="2306437"/>
+            <a:ext cx="589138" cy="2161061"/>
+          </a:xfrm>
+          <a:prstGeom prst="rect">
+            <a:avLst/>
+          </a:prstGeom>
+          <a:solidFill>
+            <a:schemeClr val="bg1"/>
+          </a:solidFill>
+          <a:ln>
+            <a:solidFill>
+              <a:schemeClr val="tx1"/>
+            </a:solidFill>
+          </a:ln>
+        </p:spPr>
+        <p:style>
+          <a:lnRef idx="2">
+            <a:schemeClr val="accent1">
+              <a:shade val="50000"/>
+            </a:schemeClr>
+          </a:lnRef>
+          <a:fillRef idx="1">
+            <a:schemeClr val="accent1"/>
+          </a:fillRef>
+          <a:effectRef idx="0">
+            <a:schemeClr val="accent1"/>
+          </a:effectRef>
+          <a:fontRef idx="minor">
+            <a:schemeClr val="lt1"/>
+          </a:fontRef>
+        </p:style>
+        <p:txBody>
+          <a:bodyPr rtlCol="0" anchor="ctr"/>
+          <a:lstStyle/>
+          <a:p>
+            <a:pPr algn="ctr"/>
+            <a:r>
+              <a:rPr lang="zh-CN" altLang="en-US" dirty="0" smtClean="0">
+                <a:solidFill>
+                  <a:schemeClr val="tx1"/>
+                </a:solidFill>
+              </a:rPr>
+              <a:t>作</a:t>
+            </a:r>
+            <a:endParaRPr lang="en-US" altLang="zh-CN" dirty="0" smtClean="0">
+              <a:solidFill>
+                <a:schemeClr val="tx1"/>
+              </a:solidFill>
+            </a:endParaRPr>
+          </a:p>
+          <a:p>
+            <a:pPr algn="ctr"/>
+            <a:r>
+              <a:rPr lang="zh-CN" altLang="en-US" dirty="0" smtClean="0">
+                <a:solidFill>
+                  <a:schemeClr val="tx1"/>
+                </a:solidFill>
+              </a:rPr>
+              <a:t>品</a:t>
+            </a:r>
+            <a:endParaRPr lang="en-US" altLang="zh-CN" dirty="0" smtClean="0">
+              <a:solidFill>
+                <a:schemeClr val="tx1"/>
+              </a:solidFill>
+            </a:endParaRPr>
+          </a:p>
+          <a:p>
+            <a:pPr algn="ctr"/>
+            <a:r>
+              <a:rPr lang="zh-CN" altLang="en-US" dirty="0" smtClean="0">
+                <a:solidFill>
+                  <a:schemeClr val="tx1"/>
+                </a:solidFill>
+              </a:rPr>
+              <a:t>提</a:t>
+            </a:r>
+            <a:endParaRPr lang="en-US" altLang="zh-CN" dirty="0" smtClean="0">
+              <a:solidFill>
+                <a:schemeClr val="tx1"/>
+              </a:solidFill>
+            </a:endParaRPr>
+          </a:p>
+          <a:p>
+            <a:pPr algn="ctr"/>
+            <a:r>
+              <a:rPr lang="zh-CN" altLang="en-US" dirty="0" smtClean="0">
+                <a:solidFill>
+                  <a:schemeClr val="tx1"/>
+                </a:solidFill>
+              </a:rPr>
+              <a:t>交</a:t>
+            </a:r>
+            <a:endParaRPr lang="zh-CN" altLang="en-US" dirty="0">
+              <a:solidFill>
+                <a:schemeClr val="tx1"/>
+              </a:solidFill>
+            </a:endParaRPr>
+          </a:p>
+        </p:txBody>
+      </p:sp>
+      <p:cxnSp>
+        <p:nvCxnSpPr>
+          <p:cNvPr id="34" name="直接连接符 33"/>
+          <p:cNvCxnSpPr/>
+          <p:nvPr/>
+        </p:nvCxnSpPr>
+        <p:spPr>
+          <a:xfrm>
+            <a:off x="3906754" y="1996334"/>
+            <a:ext cx="4112056" cy="7950"/>
+          </a:xfrm>
+          <a:prstGeom prst="line">
+            <a:avLst/>
+          </a:prstGeom>
+          <a:ln w="12700">
+            <a:solidFill>
+              <a:schemeClr val="tx1"/>
+            </a:solidFill>
+          </a:ln>
+        </p:spPr>
+        <p:style>
+          <a:lnRef idx="1">
+            <a:schemeClr val="accent1"/>
+          </a:lnRef>
+          <a:fillRef idx="0">
+            <a:schemeClr val="accent1"/>
+          </a:fillRef>
+          <a:effectRef idx="0">
+            <a:schemeClr val="accent1"/>
+          </a:effectRef>
+          <a:fontRef idx="minor">
+            <a:schemeClr val="tx1"/>
+          </a:fontRef>
+        </p:style>
+      </p:cxnSp>
+      <p:cxnSp>
+        <p:nvCxnSpPr>
+          <p:cNvPr id="35" name="直接箭头连接符 34"/>
+          <p:cNvCxnSpPr/>
+          <p:nvPr/>
+        </p:nvCxnSpPr>
+        <p:spPr>
+          <a:xfrm>
+            <a:off x="3902444" y="2004284"/>
+            <a:ext cx="0" cy="302155"/>
+          </a:xfrm>
+          <a:prstGeom prst="straightConnector1">
+            <a:avLst/>
+          </a:prstGeom>
+          <a:ln w="12700">
+            <a:solidFill>
+              <a:schemeClr val="tx1"/>
+            </a:solidFill>
+            <a:tailEnd type="triangle"/>
+          </a:ln>
+        </p:spPr>
+        <p:style>
+          <a:lnRef idx="1">
+            <a:schemeClr val="accent1"/>
+          </a:lnRef>
+          <a:fillRef idx="0">
+            <a:schemeClr val="accent1"/>
+          </a:fillRef>
+          <a:effectRef idx="0">
+            <a:schemeClr val="accent1"/>
+          </a:effectRef>
+          <a:fontRef idx="minor">
+            <a:schemeClr val="tx1"/>
+          </a:fontRef>
+        </p:style>
+      </p:cxnSp>
+      <p:cxnSp>
+        <p:nvCxnSpPr>
+          <p:cNvPr id="39" name="直接箭头连接符 38"/>
+          <p:cNvCxnSpPr/>
+          <p:nvPr/>
+        </p:nvCxnSpPr>
+        <p:spPr>
+          <a:xfrm>
+            <a:off x="8018066" y="2004273"/>
+            <a:ext cx="0" cy="302155"/>
+          </a:xfrm>
+          <a:prstGeom prst="straightConnector1">
+            <a:avLst/>
+          </a:prstGeom>
+          <a:ln w="12700">
+            <a:solidFill>
+              <a:schemeClr val="tx1"/>
+            </a:solidFill>
+            <a:tailEnd type="triangle"/>
+          </a:ln>
+        </p:spPr>
+        <p:style>
+          <a:lnRef idx="1">
+            <a:schemeClr val="accent1"/>
+          </a:lnRef>
+          <a:fillRef idx="0">
+            <a:schemeClr val="accent1"/>
+          </a:fillRef>
+          <a:effectRef idx="0">
+            <a:schemeClr val="accent1"/>
+          </a:effectRef>
+          <a:fontRef idx="minor">
+            <a:schemeClr val="tx1"/>
+          </a:fontRef>
+        </p:style>
+      </p:cxnSp>
+      <p:cxnSp>
+        <p:nvCxnSpPr>
+          <p:cNvPr id="40" name="直接连接符 39"/>
+          <p:cNvCxnSpPr/>
+          <p:nvPr/>
+        </p:nvCxnSpPr>
+        <p:spPr>
+          <a:xfrm>
+            <a:off x="5991106" y="1879845"/>
+            <a:ext cx="0" cy="124428"/>
+          </a:xfrm>
+          <a:prstGeom prst="line">
+            <a:avLst/>
+          </a:prstGeom>
+          <a:ln w="12700">
+            <a:solidFill>
+              <a:schemeClr val="tx1"/>
+            </a:solidFill>
+          </a:ln>
+        </p:spPr>
+        <p:style>
+          <a:lnRef idx="1">
+            <a:schemeClr val="accent1"/>
+          </a:lnRef>
+          <a:fillRef idx="0">
+            <a:schemeClr val="accent1"/>
+          </a:fillRef>
+          <a:effectRef idx="0">
+            <a:schemeClr val="accent1"/>
+          </a:effectRef>
+          <a:fontRef idx="minor">
+            <a:schemeClr val="tx1"/>
+          </a:fontRef>
+        </p:style>
+      </p:cxnSp>
+      <p:sp>
+        <p:nvSpPr>
+          <p:cNvPr id="54" name="矩形 53"/>
+          <p:cNvSpPr/>
+          <p:nvPr/>
+        </p:nvSpPr>
+        <p:spPr>
+          <a:xfrm>
+            <a:off x="4981612" y="2306437"/>
+            <a:ext cx="589138" cy="2161061"/>
+          </a:xfrm>
+          <a:prstGeom prst="rect">
+            <a:avLst/>
+          </a:prstGeom>
+          <a:solidFill>
+            <a:schemeClr val="bg1"/>
+          </a:solidFill>
+          <a:ln>
+            <a:solidFill>
+              <a:schemeClr val="tx1"/>
+            </a:solidFill>
+          </a:ln>
+        </p:spPr>
+        <p:style>
+          <a:lnRef idx="2">
+            <a:schemeClr val="accent1">
+              <a:shade val="50000"/>
+            </a:schemeClr>
+          </a:lnRef>
+          <a:fillRef idx="1">
+            <a:schemeClr val="accent1"/>
+          </a:fillRef>
+          <a:effectRef idx="0">
+            <a:schemeClr val="accent1"/>
+          </a:effectRef>
+          <a:fontRef idx="minor">
+            <a:schemeClr val="lt1"/>
+          </a:fontRef>
+        </p:style>
+        <p:txBody>
+          <a:bodyPr rtlCol="0" anchor="ctr"/>
+          <a:lstStyle/>
+          <a:p>
+            <a:pPr algn="ctr"/>
+            <a:r>
+              <a:rPr lang="zh-CN" altLang="en-US" dirty="0" smtClean="0">
+                <a:solidFill>
+                  <a:schemeClr val="tx1"/>
+                </a:solidFill>
+              </a:rPr>
+              <a:t>信</a:t>
+            </a:r>
+            <a:endParaRPr lang="en-US" altLang="zh-CN" dirty="0" smtClean="0">
+              <a:solidFill>
+                <a:schemeClr val="tx1"/>
+              </a:solidFill>
+            </a:endParaRPr>
+          </a:p>
+          <a:p>
+            <a:pPr algn="ctr"/>
+            <a:r>
+              <a:rPr lang="zh-CN" altLang="en-US" dirty="0" smtClean="0">
+                <a:solidFill>
+                  <a:schemeClr val="tx1"/>
+                </a:solidFill>
+              </a:rPr>
+              <a:t>息</a:t>
+            </a:r>
+            <a:endParaRPr lang="en-US" altLang="zh-CN" dirty="0" smtClean="0">
+              <a:solidFill>
+                <a:schemeClr val="tx1"/>
+              </a:solidFill>
+            </a:endParaRPr>
+          </a:p>
+          <a:p>
+            <a:pPr algn="ctr"/>
+            <a:r>
+              <a:rPr lang="zh-CN" altLang="en-US" dirty="0" smtClean="0">
+                <a:solidFill>
+                  <a:schemeClr val="tx1"/>
+                </a:solidFill>
+              </a:rPr>
+              <a:t>修</a:t>
+            </a:r>
+            <a:endParaRPr lang="en-US" altLang="zh-CN" dirty="0" smtClean="0">
+              <a:solidFill>
+                <a:schemeClr val="tx1"/>
+              </a:solidFill>
+            </a:endParaRPr>
+          </a:p>
+          <a:p>
+            <a:pPr algn="ctr"/>
+            <a:r>
+              <a:rPr lang="zh-CN" altLang="en-US" dirty="0" smtClean="0">
+                <a:solidFill>
+                  <a:schemeClr val="tx1"/>
+                </a:solidFill>
+              </a:rPr>
+              <a:t>改</a:t>
+            </a:r>
+            <a:endParaRPr lang="en-US" altLang="zh-CN" dirty="0" smtClean="0">
+              <a:solidFill>
+                <a:schemeClr val="tx1"/>
+              </a:solidFill>
+            </a:endParaRPr>
+          </a:p>
+        </p:txBody>
+      </p:sp>
+      <p:cxnSp>
+        <p:nvCxnSpPr>
+          <p:cNvPr id="55" name="直接箭头连接符 54"/>
+          <p:cNvCxnSpPr/>
+          <p:nvPr/>
+        </p:nvCxnSpPr>
+        <p:spPr>
+          <a:xfrm>
+            <a:off x="5244930" y="2004273"/>
+            <a:ext cx="0" cy="302155"/>
+          </a:xfrm>
+          <a:prstGeom prst="straightConnector1">
+            <a:avLst/>
+          </a:prstGeom>
+          <a:ln w="12700">
+            <a:solidFill>
+              <a:schemeClr val="tx1"/>
+            </a:solidFill>
+            <a:tailEnd type="triangle"/>
+          </a:ln>
+        </p:spPr>
+        <p:style>
+          <a:lnRef idx="1">
+            <a:schemeClr val="accent1"/>
+          </a:lnRef>
+          <a:fillRef idx="0">
+            <a:schemeClr val="accent1"/>
+          </a:fillRef>
+          <a:effectRef idx="0">
+            <a:schemeClr val="accent1"/>
+          </a:effectRef>
+          <a:fontRef idx="minor">
+            <a:schemeClr val="tx1"/>
+          </a:fontRef>
+        </p:style>
+      </p:cxnSp>
+      <p:sp>
+        <p:nvSpPr>
+          <p:cNvPr id="56" name="矩形 55"/>
+          <p:cNvSpPr/>
+          <p:nvPr/>
+        </p:nvSpPr>
+        <p:spPr>
+          <a:xfrm>
+            <a:off x="6399847" y="2306428"/>
+            <a:ext cx="589138" cy="2161061"/>
+          </a:xfrm>
+          <a:prstGeom prst="rect">
+            <a:avLst/>
+          </a:prstGeom>
+          <a:solidFill>
+            <a:schemeClr val="bg1"/>
+          </a:solidFill>
+          <a:ln>
+            <a:solidFill>
+              <a:schemeClr val="tx1"/>
+            </a:solidFill>
+          </a:ln>
+        </p:spPr>
+        <p:style>
+          <a:lnRef idx="2">
+            <a:schemeClr val="accent1">
+              <a:shade val="50000"/>
+            </a:schemeClr>
+          </a:lnRef>
+          <a:fillRef idx="1">
+            <a:schemeClr val="accent1"/>
+          </a:fillRef>
+          <a:effectRef idx="0">
+            <a:schemeClr val="accent1"/>
+          </a:effectRef>
+          <a:fontRef idx="minor">
+            <a:schemeClr val="lt1"/>
+          </a:fontRef>
+        </p:style>
+        <p:txBody>
+          <a:bodyPr rtlCol="0" anchor="ctr"/>
+          <a:lstStyle/>
+          <a:p>
+            <a:pPr algn="ctr"/>
+            <a:r>
+              <a:rPr lang="zh-CN" altLang="en-US" dirty="0">
+                <a:solidFill>
+                  <a:schemeClr val="tx1"/>
+                </a:solidFill>
+              </a:rPr>
+              <a:t>成</a:t>
+            </a:r>
+            <a:r>
+              <a:rPr lang="zh-CN" altLang="en-US" dirty="0" smtClean="0">
+                <a:solidFill>
+                  <a:schemeClr val="tx1"/>
+                </a:solidFill>
+              </a:rPr>
+              <a:t>绩查询</a:t>
+            </a:r>
+            <a:endParaRPr lang="en-US" altLang="zh-CN" dirty="0" smtClean="0">
+              <a:solidFill>
+                <a:schemeClr val="tx1"/>
+              </a:solidFill>
+            </a:endParaRPr>
+          </a:p>
+        </p:txBody>
+      </p:sp>
+      <p:cxnSp>
+        <p:nvCxnSpPr>
+          <p:cNvPr id="57" name="直接箭头连接符 56"/>
+          <p:cNvCxnSpPr/>
+          <p:nvPr/>
+        </p:nvCxnSpPr>
+        <p:spPr>
+          <a:xfrm>
+            <a:off x="6663165" y="2004264"/>
+            <a:ext cx="0" cy="302155"/>
+          </a:xfrm>
+          <a:prstGeom prst="straightConnector1">
+            <a:avLst/>
+          </a:prstGeom>
+          <a:ln w="12700">
+            <a:solidFill>
+              <a:schemeClr val="tx1"/>
+            </a:solidFill>
+            <a:tailEnd type="triangle"/>
+          </a:ln>
+        </p:spPr>
+        <p:style>
+          <a:lnRef idx="1">
+            <a:schemeClr val="accent1"/>
+          </a:lnRef>
+          <a:fillRef idx="0">
+            <a:schemeClr val="accent1"/>
+          </a:fillRef>
+          <a:effectRef idx="0">
+            <a:schemeClr val="accent1"/>
+          </a:effectRef>
+          <a:fontRef idx="minor">
+            <a:schemeClr val="tx1"/>
+          </a:fontRef>
+        </p:style>
+      </p:cxnSp>
+    </p:spTree>
+    <p:extLst>
+      <p:ext uri="{BB962C8B-B14F-4D97-AF65-F5344CB8AC3E}">
+        <p14:creationId xmlns:p14="http://schemas.microsoft.com/office/powerpoint/2010/main" val="725186345"/>
+      </p:ext>
+    </p:extLst>
+  </p:cSld>
+  <p:clrMapOvr>
+    <a:masterClrMapping/>
+  </p:clrMapOvr>
+</p:sld>
+</file>
+
+<file path=ppt/slides/slide7.xml><?xml version="1.0" encoding="utf-8"?>
+<p:sld xmlns:a="http://schemas.openxmlformats.org/drawingml/2006/main" xmlns:r="http://schemas.openxmlformats.org/officeDocument/2006/relationships" xmlns:p="http://schemas.openxmlformats.org/presentationml/2006/main">
+  <p:cSld>
+    <p:spTree>
+      <p:nvGrpSpPr>
+        <p:cNvPr id="1" name=""/>
+        <p:cNvGrpSpPr/>
+        <p:nvPr/>
+      </p:nvGrpSpPr>
+      <p:grpSpPr>
+        <a:xfrm>
+          <a:off x="0" y="0"/>
+          <a:ext cx="0" cy="0"/>
+          <a:chOff x="0" y="0"/>
+          <a:chExt cx="0" cy="0"/>
+        </a:xfrm>
+      </p:grpSpPr>
+      <p:sp>
+        <p:nvSpPr>
+          <p:cNvPr id="4" name="矩形 3"/>
+          <p:cNvSpPr/>
+          <p:nvPr/>
+        </p:nvSpPr>
+        <p:spPr>
+          <a:xfrm>
+            <a:off x="10185260" y="274813"/>
+            <a:ext cx="1586975" cy="464540"/>
+          </a:xfrm>
+          <a:prstGeom prst="rect">
+            <a:avLst/>
+          </a:prstGeom>
+          <a:solidFill>
+            <a:schemeClr val="bg1"/>
+          </a:solidFill>
+          <a:ln>
+            <a:solidFill>
+              <a:schemeClr val="tx1"/>
+            </a:solidFill>
+          </a:ln>
+        </p:spPr>
+        <p:style>
+          <a:lnRef idx="2">
+            <a:schemeClr val="accent1">
+              <a:shade val="50000"/>
+            </a:schemeClr>
+          </a:lnRef>
+          <a:fillRef idx="1">
+            <a:schemeClr val="accent1"/>
+          </a:fillRef>
+          <a:effectRef idx="0">
+            <a:schemeClr val="accent1"/>
+          </a:effectRef>
+          <a:fontRef idx="minor">
+            <a:schemeClr val="lt1"/>
+          </a:fontRef>
+        </p:style>
+        <p:txBody>
+          <a:bodyPr rtlCol="0" anchor="ctr"/>
+          <a:lstStyle/>
+          <a:p>
+            <a:pPr algn="ctr"/>
+            <a:r>
+              <a:rPr lang="zh-CN" altLang="en-US" dirty="0">
+                <a:solidFill>
+                  <a:schemeClr val="tx1"/>
+                </a:solidFill>
+              </a:rPr>
+              <a:t>老师</a:t>
+            </a:r>
+          </a:p>
+        </p:txBody>
+      </p:sp>
+      <p:sp>
+        <p:nvSpPr>
+          <p:cNvPr id="5" name="矩形 4"/>
+          <p:cNvSpPr/>
+          <p:nvPr/>
+        </p:nvSpPr>
+        <p:spPr>
+          <a:xfrm>
+            <a:off x="10764678" y="1169968"/>
+            <a:ext cx="442628" cy="2782389"/>
+          </a:xfrm>
+          <a:prstGeom prst="rect">
+            <a:avLst/>
+          </a:prstGeom>
+          <a:solidFill>
+            <a:schemeClr val="bg1"/>
+          </a:solidFill>
+          <a:ln>
+            <a:solidFill>
+              <a:schemeClr val="tx1"/>
+            </a:solidFill>
+          </a:ln>
+        </p:spPr>
+        <p:style>
+          <a:lnRef idx="2">
+            <a:schemeClr val="accent1">
+              <a:shade val="50000"/>
+            </a:schemeClr>
+          </a:lnRef>
+          <a:fillRef idx="1">
+            <a:schemeClr val="accent1"/>
+          </a:fillRef>
+          <a:effectRef idx="0">
+            <a:schemeClr val="accent1"/>
+          </a:effectRef>
+          <a:fontRef idx="minor">
+            <a:schemeClr val="lt1"/>
+          </a:fontRef>
+        </p:style>
+        <p:txBody>
+          <a:bodyPr rtlCol="0" anchor="ctr"/>
+          <a:lstStyle/>
+          <a:p>
+            <a:pPr algn="ctr"/>
+            <a:r>
+              <a:rPr lang="zh-CN" altLang="en-US" dirty="0">
+                <a:solidFill>
+                  <a:schemeClr val="tx1"/>
+                </a:solidFill>
+              </a:rPr>
+              <a:t>队伍管理</a:t>
+            </a:r>
+          </a:p>
+        </p:txBody>
+      </p:sp>
+      <p:sp>
+        <p:nvSpPr>
+          <p:cNvPr id="6" name="矩形 5"/>
+          <p:cNvSpPr/>
+          <p:nvPr/>
+        </p:nvSpPr>
+        <p:spPr>
+          <a:xfrm>
+            <a:off x="11452654" y="1169967"/>
+            <a:ext cx="442628" cy="2782389"/>
+          </a:xfrm>
+          <a:prstGeom prst="rect">
+            <a:avLst/>
+          </a:prstGeom>
+          <a:solidFill>
+            <a:schemeClr val="bg1"/>
+          </a:solidFill>
+          <a:ln>
+            <a:solidFill>
+              <a:schemeClr val="tx1"/>
+            </a:solidFill>
+          </a:ln>
+        </p:spPr>
+        <p:style>
+          <a:lnRef idx="2">
+            <a:schemeClr val="accent1">
+              <a:shade val="50000"/>
+            </a:schemeClr>
+          </a:lnRef>
+          <a:fillRef idx="1">
+            <a:schemeClr val="accent1"/>
+          </a:fillRef>
+          <a:effectRef idx="0">
+            <a:schemeClr val="accent1"/>
+          </a:effectRef>
+          <a:fontRef idx="minor">
+            <a:schemeClr val="lt1"/>
+          </a:fontRef>
+        </p:style>
+        <p:txBody>
+          <a:bodyPr rtlCol="0" anchor="ctr"/>
+          <a:lstStyle/>
+          <a:p>
+            <a:pPr algn="ctr"/>
+            <a:r>
+              <a:rPr lang="zh-CN" altLang="en-US" dirty="0">
+                <a:solidFill>
+                  <a:schemeClr val="tx1"/>
+                </a:solidFill>
+              </a:rPr>
+              <a:t>报名比赛</a:t>
+            </a:r>
+          </a:p>
+        </p:txBody>
+      </p:sp>
+      <p:sp>
+        <p:nvSpPr>
+          <p:cNvPr id="7" name="矩形 6"/>
+          <p:cNvSpPr/>
+          <p:nvPr/>
+        </p:nvSpPr>
+        <p:spPr>
+          <a:xfrm>
+            <a:off x="10103034" y="1169967"/>
+            <a:ext cx="442628" cy="2782389"/>
+          </a:xfrm>
+          <a:prstGeom prst="rect">
+            <a:avLst/>
+          </a:prstGeom>
+          <a:solidFill>
+            <a:schemeClr val="bg1"/>
+          </a:solidFill>
+          <a:ln>
+            <a:solidFill>
+              <a:schemeClr val="tx1"/>
+            </a:solidFill>
+          </a:ln>
+        </p:spPr>
+        <p:style>
+          <a:lnRef idx="2">
+            <a:schemeClr val="accent1">
+              <a:shade val="50000"/>
+            </a:schemeClr>
+          </a:lnRef>
+          <a:fillRef idx="1">
+            <a:schemeClr val="accent1"/>
+          </a:fillRef>
+          <a:effectRef idx="0">
+            <a:schemeClr val="accent1"/>
+          </a:effectRef>
+          <a:fontRef idx="minor">
+            <a:schemeClr val="lt1"/>
+          </a:fontRef>
+        </p:style>
+        <p:txBody>
+          <a:bodyPr rtlCol="0" anchor="ctr"/>
+          <a:lstStyle/>
+          <a:p>
+            <a:pPr algn="ctr"/>
+            <a:r>
+              <a:rPr lang="zh-CN" altLang="en-US" dirty="0">
+                <a:solidFill>
+                  <a:schemeClr val="tx1"/>
+                </a:solidFill>
+              </a:rPr>
+              <a:t>创建队伍</a:t>
+            </a:r>
+          </a:p>
+        </p:txBody>
+      </p:sp>
+      <p:sp>
+        <p:nvSpPr>
+          <p:cNvPr id="8" name="矩形 7"/>
+          <p:cNvSpPr/>
+          <p:nvPr/>
+        </p:nvSpPr>
+        <p:spPr>
+          <a:xfrm>
+            <a:off x="349906" y="274813"/>
+            <a:ext cx="1586976" cy="464540"/>
+          </a:xfrm>
+          <a:prstGeom prst="rect">
+            <a:avLst/>
+          </a:prstGeom>
+          <a:solidFill>
+            <a:schemeClr val="bg1"/>
+          </a:solidFill>
+          <a:ln>
+            <a:solidFill>
+              <a:schemeClr val="tx1"/>
+            </a:solidFill>
+          </a:ln>
+        </p:spPr>
+        <p:style>
+          <a:lnRef idx="2">
+            <a:schemeClr val="accent1">
+              <a:shade val="50000"/>
+            </a:schemeClr>
+          </a:lnRef>
+          <a:fillRef idx="1">
+            <a:schemeClr val="accent1"/>
+          </a:fillRef>
+          <a:effectRef idx="0">
+            <a:schemeClr val="accent1"/>
+          </a:effectRef>
+          <a:fontRef idx="minor">
+            <a:schemeClr val="lt1"/>
+          </a:fontRef>
+        </p:style>
+        <p:txBody>
+          <a:bodyPr rtlCol="0" anchor="ctr"/>
+          <a:lstStyle/>
+          <a:p>
+            <a:pPr algn="ctr"/>
+            <a:r>
+              <a:rPr lang="zh-CN" altLang="en-US" dirty="0">
+                <a:solidFill>
+                  <a:schemeClr val="tx1"/>
+                </a:solidFill>
+              </a:rPr>
+              <a:t>基本信息修改</a:t>
+            </a:r>
+          </a:p>
+        </p:txBody>
+      </p:sp>
+      <p:sp>
+        <p:nvSpPr>
+          <p:cNvPr id="9" name="矩形 8"/>
+          <p:cNvSpPr/>
+          <p:nvPr/>
+        </p:nvSpPr>
+        <p:spPr>
+          <a:xfrm>
+            <a:off x="602387" y="1183029"/>
+            <a:ext cx="442628" cy="2782389"/>
+          </a:xfrm>
+          <a:prstGeom prst="rect">
+            <a:avLst/>
+          </a:prstGeom>
+          <a:solidFill>
+            <a:schemeClr val="bg1"/>
+          </a:solidFill>
+          <a:ln>
+            <a:solidFill>
+              <a:schemeClr val="tx1"/>
+            </a:solidFill>
+          </a:ln>
+        </p:spPr>
+        <p:style>
+          <a:lnRef idx="2">
+            <a:schemeClr val="accent1">
+              <a:shade val="50000"/>
+            </a:schemeClr>
+          </a:lnRef>
+          <a:fillRef idx="1">
+            <a:schemeClr val="accent1"/>
+          </a:fillRef>
+          <a:effectRef idx="0">
+            <a:schemeClr val="accent1"/>
+          </a:effectRef>
+          <a:fontRef idx="minor">
+            <a:schemeClr val="lt1"/>
+          </a:fontRef>
+        </p:style>
+        <p:txBody>
+          <a:bodyPr rtlCol="0" anchor="ctr"/>
+          <a:lstStyle/>
+          <a:p>
+            <a:pPr algn="ctr"/>
+            <a:r>
+              <a:rPr lang="zh-CN" altLang="en-US" dirty="0">
+                <a:solidFill>
+                  <a:schemeClr val="tx1"/>
+                </a:solidFill>
+              </a:rPr>
+              <a:t>密码修改</a:t>
+            </a:r>
+          </a:p>
+        </p:txBody>
+      </p:sp>
+      <p:sp>
+        <p:nvSpPr>
+          <p:cNvPr id="10" name="矩形 9"/>
+          <p:cNvSpPr/>
+          <p:nvPr/>
+        </p:nvSpPr>
+        <p:spPr>
+          <a:xfrm>
+            <a:off x="1293241" y="1183028"/>
+            <a:ext cx="442628" cy="2782389"/>
+          </a:xfrm>
+          <a:prstGeom prst="rect">
+            <a:avLst/>
+          </a:prstGeom>
+          <a:solidFill>
+            <a:schemeClr val="bg1"/>
+          </a:solidFill>
+          <a:ln>
+            <a:solidFill>
+              <a:schemeClr val="tx1"/>
+            </a:solidFill>
+          </a:ln>
+        </p:spPr>
+        <p:style>
+          <a:lnRef idx="2">
+            <a:schemeClr val="accent1">
+              <a:shade val="50000"/>
+            </a:schemeClr>
+          </a:lnRef>
+          <a:fillRef idx="1">
+            <a:schemeClr val="accent1"/>
+          </a:fillRef>
+          <a:effectRef idx="0">
+            <a:schemeClr val="accent1"/>
+          </a:effectRef>
+          <a:fontRef idx="minor">
+            <a:schemeClr val="lt1"/>
+          </a:fontRef>
+        </p:style>
+        <p:txBody>
+          <a:bodyPr rtlCol="0" anchor="ctr"/>
+          <a:lstStyle/>
+          <a:p>
+            <a:pPr algn="ctr"/>
+            <a:r>
+              <a:rPr lang="zh-CN" altLang="en-US" dirty="0">
+                <a:solidFill>
+                  <a:schemeClr val="tx1"/>
+                </a:solidFill>
+              </a:rPr>
+              <a:t>邮件确认</a:t>
+            </a:r>
+          </a:p>
+        </p:txBody>
+      </p:sp>
+      <p:cxnSp>
+        <p:nvCxnSpPr>
+          <p:cNvPr id="11" name="直接连接符 10"/>
+          <p:cNvCxnSpPr/>
+          <p:nvPr/>
+        </p:nvCxnSpPr>
+        <p:spPr>
+          <a:xfrm>
+            <a:off x="11012400" y="743387"/>
+            <a:ext cx="0" cy="124428"/>
+          </a:xfrm>
+          <a:prstGeom prst="line">
+            <a:avLst/>
+          </a:prstGeom>
+          <a:ln w="12700">
+            <a:solidFill>
+              <a:schemeClr val="tx1"/>
+            </a:solidFill>
+          </a:ln>
+        </p:spPr>
+        <p:style>
+          <a:lnRef idx="1">
+            <a:schemeClr val="accent1"/>
+          </a:lnRef>
+          <a:fillRef idx="0">
+            <a:schemeClr val="accent1"/>
+          </a:fillRef>
+          <a:effectRef idx="0">
+            <a:schemeClr val="accent1"/>
+          </a:effectRef>
+          <a:fontRef idx="minor">
+            <a:schemeClr val="tx1"/>
+          </a:fontRef>
+        </p:style>
+      </p:cxnSp>
+      <p:cxnSp>
+        <p:nvCxnSpPr>
+          <p:cNvPr id="12" name="直接连接符 11"/>
+          <p:cNvCxnSpPr/>
+          <p:nvPr/>
+        </p:nvCxnSpPr>
+        <p:spPr>
+          <a:xfrm>
+            <a:off x="10313944" y="867815"/>
+            <a:ext cx="1363428" cy="7950"/>
+          </a:xfrm>
+          <a:prstGeom prst="line">
+            <a:avLst/>
+          </a:prstGeom>
+          <a:ln w="12700">
+            <a:solidFill>
+              <a:schemeClr val="tx1"/>
+            </a:solidFill>
+          </a:ln>
+        </p:spPr>
+        <p:style>
+          <a:lnRef idx="1">
+            <a:schemeClr val="accent1"/>
+          </a:lnRef>
+          <a:fillRef idx="0">
+            <a:schemeClr val="accent1"/>
+          </a:fillRef>
+          <a:effectRef idx="0">
+            <a:schemeClr val="accent1"/>
+          </a:effectRef>
+          <a:fontRef idx="minor">
+            <a:schemeClr val="tx1"/>
+          </a:fontRef>
+        </p:style>
+      </p:cxnSp>
+      <p:cxnSp>
+        <p:nvCxnSpPr>
+          <p:cNvPr id="13" name="直接箭头连接符 12"/>
+          <p:cNvCxnSpPr/>
+          <p:nvPr/>
+        </p:nvCxnSpPr>
+        <p:spPr>
+          <a:xfrm>
+            <a:off x="10320885" y="875765"/>
+            <a:ext cx="0" cy="302155"/>
+          </a:xfrm>
+          <a:prstGeom prst="straightConnector1">
+            <a:avLst/>
+          </a:prstGeom>
+          <a:ln w="12700">
+            <a:solidFill>
+              <a:schemeClr val="tx1"/>
+            </a:solidFill>
+            <a:tailEnd type="triangle"/>
+          </a:ln>
+        </p:spPr>
+        <p:style>
+          <a:lnRef idx="1">
+            <a:schemeClr val="accent1"/>
+          </a:lnRef>
+          <a:fillRef idx="0">
+            <a:schemeClr val="accent1"/>
+          </a:fillRef>
+          <a:effectRef idx="0">
+            <a:schemeClr val="accent1"/>
+          </a:effectRef>
+          <a:fontRef idx="minor">
+            <a:schemeClr val="tx1"/>
+          </a:fontRef>
+        </p:style>
+      </p:cxnSp>
+      <p:cxnSp>
+        <p:nvCxnSpPr>
+          <p:cNvPr id="14" name="直接箭头连接符 13"/>
+          <p:cNvCxnSpPr/>
+          <p:nvPr/>
+        </p:nvCxnSpPr>
+        <p:spPr>
+          <a:xfrm>
+            <a:off x="11012400" y="875765"/>
+            <a:ext cx="0" cy="302155"/>
+          </a:xfrm>
+          <a:prstGeom prst="straightConnector1">
+            <a:avLst/>
+          </a:prstGeom>
+          <a:ln w="12700">
+            <a:solidFill>
+              <a:schemeClr val="tx1"/>
+            </a:solidFill>
+            <a:tailEnd type="triangle"/>
+          </a:ln>
+        </p:spPr>
+        <p:style>
+          <a:lnRef idx="1">
+            <a:schemeClr val="accent1"/>
+          </a:lnRef>
+          <a:fillRef idx="0">
+            <a:schemeClr val="accent1"/>
+          </a:fillRef>
+          <a:effectRef idx="0">
+            <a:schemeClr val="accent1"/>
+          </a:effectRef>
+          <a:fontRef idx="minor">
+            <a:schemeClr val="tx1"/>
+          </a:fontRef>
+        </p:style>
+      </p:cxnSp>
+      <p:cxnSp>
+        <p:nvCxnSpPr>
+          <p:cNvPr id="15" name="直接箭头连接符 14"/>
+          <p:cNvCxnSpPr/>
+          <p:nvPr/>
+        </p:nvCxnSpPr>
+        <p:spPr>
+          <a:xfrm>
+            <a:off x="11676942" y="875765"/>
+            <a:ext cx="0" cy="302155"/>
+          </a:xfrm>
+          <a:prstGeom prst="straightConnector1">
+            <a:avLst/>
+          </a:prstGeom>
+          <a:ln w="12700">
+            <a:solidFill>
+              <a:schemeClr val="tx1"/>
+            </a:solidFill>
+            <a:tailEnd type="triangle"/>
+          </a:ln>
+        </p:spPr>
+        <p:style>
+          <a:lnRef idx="1">
+            <a:schemeClr val="accent1"/>
+          </a:lnRef>
+          <a:fillRef idx="0">
+            <a:schemeClr val="accent1"/>
+          </a:fillRef>
+          <a:effectRef idx="0">
+            <a:schemeClr val="accent1"/>
+          </a:effectRef>
+          <a:fontRef idx="minor">
+            <a:schemeClr val="tx1"/>
+          </a:fontRef>
+        </p:style>
+      </p:cxnSp>
+      <p:cxnSp>
+        <p:nvCxnSpPr>
+          <p:cNvPr id="16" name="直接连接符 15"/>
+          <p:cNvCxnSpPr/>
+          <p:nvPr/>
+        </p:nvCxnSpPr>
+        <p:spPr>
+          <a:xfrm>
+            <a:off x="1153499" y="749057"/>
+            <a:ext cx="0" cy="124428"/>
+          </a:xfrm>
+          <a:prstGeom prst="line">
+            <a:avLst/>
+          </a:prstGeom>
+          <a:ln w="12700">
+            <a:solidFill>
+              <a:schemeClr val="tx1"/>
+            </a:solidFill>
+          </a:ln>
+        </p:spPr>
+        <p:style>
+          <a:lnRef idx="1">
+            <a:schemeClr val="accent1"/>
+          </a:lnRef>
+          <a:fillRef idx="0">
+            <a:schemeClr val="accent1"/>
+          </a:fillRef>
+          <a:effectRef idx="0">
+            <a:schemeClr val="accent1"/>
+          </a:effectRef>
+          <a:fontRef idx="minor">
+            <a:schemeClr val="tx1"/>
+          </a:fontRef>
+        </p:style>
+      </p:cxnSp>
+      <p:cxnSp>
+        <p:nvCxnSpPr>
+          <p:cNvPr id="17" name="直接连接符 16"/>
+          <p:cNvCxnSpPr/>
+          <p:nvPr/>
+        </p:nvCxnSpPr>
+        <p:spPr>
+          <a:xfrm>
+            <a:off x="743996" y="873485"/>
+            <a:ext cx="769620" cy="7950"/>
+          </a:xfrm>
+          <a:prstGeom prst="line">
+            <a:avLst/>
+          </a:prstGeom>
+          <a:ln w="12700">
+            <a:solidFill>
+              <a:schemeClr val="tx1"/>
+            </a:solidFill>
+          </a:ln>
+        </p:spPr>
+        <p:style>
+          <a:lnRef idx="1">
+            <a:schemeClr val="accent1"/>
+          </a:lnRef>
+          <a:fillRef idx="0">
+            <a:schemeClr val="accent1"/>
+          </a:fillRef>
+          <a:effectRef idx="0">
+            <a:schemeClr val="accent1"/>
+          </a:effectRef>
+          <a:fontRef idx="minor">
+            <a:schemeClr val="tx1"/>
+          </a:fontRef>
+        </p:style>
+      </p:cxnSp>
+      <p:cxnSp>
+        <p:nvCxnSpPr>
+          <p:cNvPr id="18" name="直接箭头连接符 17"/>
+          <p:cNvCxnSpPr/>
+          <p:nvPr/>
+        </p:nvCxnSpPr>
+        <p:spPr>
+          <a:xfrm>
+            <a:off x="751947" y="880877"/>
+            <a:ext cx="0" cy="302155"/>
+          </a:xfrm>
+          <a:prstGeom prst="straightConnector1">
+            <a:avLst/>
+          </a:prstGeom>
+          <a:ln w="12700">
+            <a:solidFill>
+              <a:schemeClr val="tx1"/>
+            </a:solidFill>
+            <a:tailEnd type="triangle"/>
+          </a:ln>
+        </p:spPr>
+        <p:style>
+          <a:lnRef idx="1">
+            <a:schemeClr val="accent1"/>
+          </a:lnRef>
+          <a:fillRef idx="0">
+            <a:schemeClr val="accent1"/>
+          </a:fillRef>
+          <a:effectRef idx="0">
+            <a:schemeClr val="accent1"/>
+          </a:effectRef>
+          <a:fontRef idx="minor">
+            <a:schemeClr val="tx1"/>
+          </a:fontRef>
+        </p:style>
+      </p:cxnSp>
+      <p:cxnSp>
+        <p:nvCxnSpPr>
+          <p:cNvPr id="19" name="直接箭头连接符 18"/>
+          <p:cNvCxnSpPr/>
+          <p:nvPr/>
+        </p:nvCxnSpPr>
+        <p:spPr>
+          <a:xfrm>
+            <a:off x="1512914" y="881435"/>
+            <a:ext cx="0" cy="302155"/>
+          </a:xfrm>
+          <a:prstGeom prst="straightConnector1">
+            <a:avLst/>
+          </a:prstGeom>
+          <a:ln w="12700">
+            <a:solidFill>
+              <a:schemeClr val="tx1"/>
+            </a:solidFill>
+            <a:tailEnd type="triangle"/>
+          </a:ln>
+        </p:spPr>
+        <p:style>
+          <a:lnRef idx="1">
+            <a:schemeClr val="accent1"/>
+          </a:lnRef>
+          <a:fillRef idx="0">
+            <a:schemeClr val="accent1"/>
+          </a:fillRef>
+          <a:effectRef idx="0">
+            <a:schemeClr val="accent1"/>
+          </a:effectRef>
+          <a:fontRef idx="minor">
+            <a:schemeClr val="tx1"/>
+          </a:fontRef>
+        </p:style>
+      </p:cxnSp>
+      <p:sp>
+        <p:nvSpPr>
+          <p:cNvPr id="33" name="矩形 32"/>
+          <p:cNvSpPr/>
+          <p:nvPr/>
+        </p:nvSpPr>
+        <p:spPr>
+          <a:xfrm>
+            <a:off x="5172688" y="1411281"/>
+            <a:ext cx="1586975" cy="464540"/>
+          </a:xfrm>
+          <a:prstGeom prst="rect">
+            <a:avLst/>
+          </a:prstGeom>
+          <a:solidFill>
+            <a:schemeClr val="bg1"/>
+          </a:solidFill>
+          <a:ln>
+            <a:solidFill>
+              <a:schemeClr val="tx1"/>
+            </a:solidFill>
+          </a:ln>
+        </p:spPr>
+        <p:style>
+          <a:lnRef idx="2">
+            <a:schemeClr val="accent1">
+              <a:shade val="50000"/>
+            </a:schemeClr>
+          </a:lnRef>
+          <a:fillRef idx="1">
+            <a:schemeClr val="accent1"/>
+          </a:fillRef>
+          <a:effectRef idx="0">
+            <a:schemeClr val="accent1"/>
+          </a:effectRef>
+          <a:fontRef idx="minor">
+            <a:schemeClr val="lt1"/>
+          </a:fontRef>
+        </p:style>
+        <p:txBody>
+          <a:bodyPr rtlCol="0" anchor="ctr"/>
+          <a:lstStyle/>
+          <a:p>
+            <a:pPr algn="ctr"/>
+            <a:r>
+              <a:rPr lang="zh-CN" altLang="en-US" dirty="0">
+                <a:solidFill>
+                  <a:schemeClr val="tx1"/>
+                </a:solidFill>
+              </a:rPr>
+              <a:t>老师</a:t>
+            </a:r>
+          </a:p>
+        </p:txBody>
+      </p:sp>
+      <p:sp>
+        <p:nvSpPr>
+          <p:cNvPr id="34" name="矩形 33"/>
+          <p:cNvSpPr/>
+          <p:nvPr/>
+        </p:nvSpPr>
+        <p:spPr>
+          <a:xfrm>
+            <a:off x="3614302" y="2306437"/>
+            <a:ext cx="535580" cy="2448443"/>
+          </a:xfrm>
+          <a:prstGeom prst="rect">
+            <a:avLst/>
+          </a:prstGeom>
+          <a:solidFill>
+            <a:schemeClr val="bg1"/>
+          </a:solidFill>
+          <a:ln>
+            <a:solidFill>
+              <a:schemeClr val="tx1"/>
+            </a:solidFill>
+          </a:ln>
+        </p:spPr>
+        <p:style>
+          <a:lnRef idx="2">
+            <a:schemeClr val="accent1">
+              <a:shade val="50000"/>
+            </a:schemeClr>
+          </a:lnRef>
+          <a:fillRef idx="1">
+            <a:schemeClr val="accent1"/>
+          </a:fillRef>
+          <a:effectRef idx="0">
+            <a:schemeClr val="accent1"/>
+          </a:effectRef>
+          <a:fontRef idx="minor">
+            <a:schemeClr val="lt1"/>
+          </a:fontRef>
+        </p:style>
+        <p:txBody>
+          <a:bodyPr rtlCol="0" anchor="ctr"/>
+          <a:lstStyle/>
+          <a:p>
+            <a:pPr algn="ctr"/>
+            <a:r>
+              <a:rPr lang="zh-CN" altLang="en-US" dirty="0">
+                <a:solidFill>
+                  <a:schemeClr val="tx1"/>
+                </a:solidFill>
+              </a:rPr>
+              <a:t>创建队伍</a:t>
+            </a:r>
+          </a:p>
+        </p:txBody>
+      </p:sp>
+      <p:sp>
+        <p:nvSpPr>
+          <p:cNvPr id="35" name="矩形 34"/>
+          <p:cNvSpPr/>
+          <p:nvPr/>
+        </p:nvSpPr>
+        <p:spPr>
+          <a:xfrm>
+            <a:off x="4663691" y="2306439"/>
+            <a:ext cx="535580" cy="2448442"/>
+          </a:xfrm>
+          <a:prstGeom prst="rect">
+            <a:avLst/>
+          </a:prstGeom>
+          <a:solidFill>
+            <a:schemeClr val="bg1"/>
+          </a:solidFill>
+          <a:ln>
+            <a:solidFill>
+              <a:schemeClr val="tx1"/>
+            </a:solidFill>
+          </a:ln>
+        </p:spPr>
+        <p:style>
+          <a:lnRef idx="2">
+            <a:schemeClr val="accent1">
+              <a:shade val="50000"/>
+            </a:schemeClr>
+          </a:lnRef>
+          <a:fillRef idx="1">
+            <a:schemeClr val="accent1"/>
+          </a:fillRef>
+          <a:effectRef idx="0">
+            <a:schemeClr val="accent1"/>
+          </a:effectRef>
+          <a:fontRef idx="minor">
+            <a:schemeClr val="lt1"/>
+          </a:fontRef>
+        </p:style>
+        <p:txBody>
+          <a:bodyPr rtlCol="0" anchor="ctr"/>
+          <a:lstStyle/>
+          <a:p>
+            <a:pPr algn="ctr"/>
+            <a:r>
+              <a:rPr lang="zh-CN" altLang="en-US" dirty="0">
+                <a:solidFill>
+                  <a:schemeClr val="tx1"/>
+                </a:solidFill>
+              </a:rPr>
+              <a:t>队</a:t>
+            </a:r>
+            <a:r>
+              <a:rPr lang="zh-CN" altLang="en-US" dirty="0" smtClean="0">
+                <a:solidFill>
+                  <a:schemeClr val="tx1"/>
+                </a:solidFill>
+              </a:rPr>
+              <a:t>伍管理</a:t>
+            </a:r>
+            <a:endParaRPr lang="zh-CN" altLang="en-US" dirty="0">
+              <a:solidFill>
+                <a:schemeClr val="tx1"/>
+              </a:solidFill>
+            </a:endParaRPr>
+          </a:p>
+        </p:txBody>
+      </p:sp>
+      <p:sp>
+        <p:nvSpPr>
+          <p:cNvPr id="37" name="矩形 36"/>
+          <p:cNvSpPr/>
+          <p:nvPr/>
+        </p:nvSpPr>
+        <p:spPr>
+          <a:xfrm>
+            <a:off x="6724820" y="2306437"/>
+            <a:ext cx="535580" cy="2448443"/>
+          </a:xfrm>
+          <a:prstGeom prst="rect">
+            <a:avLst/>
+          </a:prstGeom>
+          <a:solidFill>
+            <a:schemeClr val="bg1"/>
+          </a:solidFill>
+          <a:ln>
+            <a:solidFill>
+              <a:schemeClr val="tx1"/>
+            </a:solidFill>
+          </a:ln>
+        </p:spPr>
+        <p:style>
+          <a:lnRef idx="2">
+            <a:schemeClr val="accent1">
+              <a:shade val="50000"/>
+            </a:schemeClr>
+          </a:lnRef>
+          <a:fillRef idx="1">
+            <a:schemeClr val="accent1"/>
+          </a:fillRef>
+          <a:effectRef idx="0">
+            <a:schemeClr val="accent1"/>
+          </a:effectRef>
+          <a:fontRef idx="minor">
+            <a:schemeClr val="lt1"/>
+          </a:fontRef>
+        </p:style>
+        <p:txBody>
+          <a:bodyPr rtlCol="0" anchor="ctr"/>
+          <a:lstStyle/>
+          <a:p>
+            <a:pPr algn="ctr"/>
+            <a:r>
+              <a:rPr lang="zh-CN" altLang="en-US" dirty="0" smtClean="0">
+                <a:solidFill>
+                  <a:schemeClr val="tx1"/>
+                </a:solidFill>
+              </a:rPr>
+              <a:t>基本信息修改</a:t>
+            </a:r>
+            <a:endParaRPr lang="zh-CN" altLang="en-US" dirty="0">
+              <a:solidFill>
+                <a:schemeClr val="tx1"/>
+              </a:solidFill>
+            </a:endParaRPr>
+          </a:p>
+        </p:txBody>
+      </p:sp>
+      <p:sp>
+        <p:nvSpPr>
+          <p:cNvPr id="38" name="矩形 37"/>
+          <p:cNvSpPr/>
+          <p:nvPr/>
+        </p:nvSpPr>
+        <p:spPr>
+          <a:xfrm>
+            <a:off x="7742338" y="2306437"/>
+            <a:ext cx="535580" cy="2448443"/>
+          </a:xfrm>
+          <a:prstGeom prst="rect">
+            <a:avLst/>
+          </a:prstGeom>
+          <a:solidFill>
+            <a:schemeClr val="bg1"/>
+          </a:solidFill>
+          <a:ln>
+            <a:solidFill>
+              <a:schemeClr val="tx1"/>
+            </a:solidFill>
+          </a:ln>
+        </p:spPr>
+        <p:style>
+          <a:lnRef idx="2">
+            <a:schemeClr val="accent1">
+              <a:shade val="50000"/>
+            </a:schemeClr>
+          </a:lnRef>
+          <a:fillRef idx="1">
+            <a:schemeClr val="accent1"/>
+          </a:fillRef>
+          <a:effectRef idx="0">
+            <a:schemeClr val="accent1"/>
+          </a:effectRef>
+          <a:fontRef idx="minor">
+            <a:schemeClr val="lt1"/>
+          </a:fontRef>
+        </p:style>
+        <p:txBody>
+          <a:bodyPr rtlCol="0" anchor="ctr"/>
+          <a:lstStyle/>
+          <a:p>
+            <a:pPr algn="ctr"/>
+            <a:r>
+              <a:rPr lang="zh-CN" altLang="en-US" dirty="0">
+                <a:solidFill>
+                  <a:schemeClr val="tx1"/>
+                </a:solidFill>
+              </a:rPr>
+              <a:t>报名比赛</a:t>
+            </a:r>
+          </a:p>
+        </p:txBody>
+      </p:sp>
+      <p:cxnSp>
+        <p:nvCxnSpPr>
+          <p:cNvPr id="39" name="直接连接符 38"/>
+          <p:cNvCxnSpPr/>
+          <p:nvPr/>
+        </p:nvCxnSpPr>
+        <p:spPr>
+          <a:xfrm>
+            <a:off x="5979519" y="1871906"/>
+            <a:ext cx="0" cy="124428"/>
+          </a:xfrm>
+          <a:prstGeom prst="line">
+            <a:avLst/>
+          </a:prstGeom>
+          <a:ln w="12700">
+            <a:solidFill>
+              <a:schemeClr val="tx1"/>
+            </a:solidFill>
+          </a:ln>
+        </p:spPr>
+        <p:style>
+          <a:lnRef idx="1">
+            <a:schemeClr val="accent1"/>
+          </a:lnRef>
+          <a:fillRef idx="0">
+            <a:schemeClr val="accent1"/>
+          </a:fillRef>
+          <a:effectRef idx="0">
+            <a:schemeClr val="accent1"/>
+          </a:effectRef>
+          <a:fontRef idx="minor">
+            <a:schemeClr val="tx1"/>
+          </a:fontRef>
+        </p:style>
+      </p:cxnSp>
+      <p:cxnSp>
+        <p:nvCxnSpPr>
+          <p:cNvPr id="40" name="直接连接符 39"/>
+          <p:cNvCxnSpPr/>
+          <p:nvPr/>
+        </p:nvCxnSpPr>
+        <p:spPr>
+          <a:xfrm>
+            <a:off x="3867565" y="1996334"/>
+            <a:ext cx="4112056" cy="7950"/>
+          </a:xfrm>
+          <a:prstGeom prst="line">
+            <a:avLst/>
+          </a:prstGeom>
+          <a:ln w="12700">
+            <a:solidFill>
+              <a:schemeClr val="tx1"/>
+            </a:solidFill>
+          </a:ln>
+        </p:spPr>
+        <p:style>
+          <a:lnRef idx="1">
+            <a:schemeClr val="accent1"/>
+          </a:lnRef>
+          <a:fillRef idx="0">
+            <a:schemeClr val="accent1"/>
+          </a:fillRef>
+          <a:effectRef idx="0">
+            <a:schemeClr val="accent1"/>
+          </a:effectRef>
+          <a:fontRef idx="minor">
+            <a:schemeClr val="tx1"/>
+          </a:fontRef>
+        </p:style>
+      </p:cxnSp>
+      <p:cxnSp>
+        <p:nvCxnSpPr>
+          <p:cNvPr id="41" name="直接箭头连接符 40"/>
+          <p:cNvCxnSpPr/>
+          <p:nvPr/>
+        </p:nvCxnSpPr>
+        <p:spPr>
+          <a:xfrm>
+            <a:off x="3863255" y="2004284"/>
+            <a:ext cx="0" cy="302155"/>
+          </a:xfrm>
+          <a:prstGeom prst="straightConnector1">
+            <a:avLst/>
+          </a:prstGeom>
+          <a:ln w="12700">
+            <a:solidFill>
+              <a:schemeClr val="tx1"/>
+            </a:solidFill>
+            <a:tailEnd type="triangle"/>
+          </a:ln>
+        </p:spPr>
+        <p:style>
+          <a:lnRef idx="1">
+            <a:schemeClr val="accent1"/>
+          </a:lnRef>
+          <a:fillRef idx="0">
+            <a:schemeClr val="accent1"/>
+          </a:fillRef>
+          <a:effectRef idx="0">
+            <a:schemeClr val="accent1"/>
+          </a:effectRef>
+          <a:fontRef idx="minor">
+            <a:schemeClr val="tx1"/>
+          </a:fontRef>
+        </p:style>
+      </p:cxnSp>
+      <p:cxnSp>
+        <p:nvCxnSpPr>
+          <p:cNvPr id="42" name="直接箭头连接符 41"/>
+          <p:cNvCxnSpPr/>
+          <p:nvPr/>
+        </p:nvCxnSpPr>
+        <p:spPr>
+          <a:xfrm>
+            <a:off x="4939848" y="2004284"/>
+            <a:ext cx="0" cy="302155"/>
+          </a:xfrm>
+          <a:prstGeom prst="straightConnector1">
+            <a:avLst/>
+          </a:prstGeom>
+          <a:ln w="12700">
+            <a:solidFill>
+              <a:schemeClr val="tx1"/>
+            </a:solidFill>
+            <a:tailEnd type="triangle"/>
+          </a:ln>
+        </p:spPr>
+        <p:style>
+          <a:lnRef idx="1">
+            <a:schemeClr val="accent1"/>
+          </a:lnRef>
+          <a:fillRef idx="0">
+            <a:schemeClr val="accent1"/>
+          </a:fillRef>
+          <a:effectRef idx="0">
+            <a:schemeClr val="accent1"/>
+          </a:effectRef>
+          <a:fontRef idx="minor">
+            <a:schemeClr val="tx1"/>
+          </a:fontRef>
+        </p:style>
+      </p:cxnSp>
+      <p:cxnSp>
+        <p:nvCxnSpPr>
+          <p:cNvPr id="44" name="直接箭头连接符 43"/>
+          <p:cNvCxnSpPr/>
+          <p:nvPr/>
+        </p:nvCxnSpPr>
+        <p:spPr>
+          <a:xfrm>
+            <a:off x="6992610" y="2004284"/>
+            <a:ext cx="0" cy="302155"/>
+          </a:xfrm>
+          <a:prstGeom prst="straightConnector1">
+            <a:avLst/>
+          </a:prstGeom>
+          <a:ln w="12700">
+            <a:solidFill>
+              <a:schemeClr val="tx1"/>
+            </a:solidFill>
+            <a:tailEnd type="triangle"/>
+          </a:ln>
+        </p:spPr>
+        <p:style>
+          <a:lnRef idx="1">
+            <a:schemeClr val="accent1"/>
+          </a:lnRef>
+          <a:fillRef idx="0">
+            <a:schemeClr val="accent1"/>
+          </a:fillRef>
+          <a:effectRef idx="0">
+            <a:schemeClr val="accent1"/>
+          </a:effectRef>
+          <a:fontRef idx="minor">
+            <a:schemeClr val="tx1"/>
+          </a:fontRef>
+        </p:style>
+      </p:cxnSp>
+      <p:cxnSp>
+        <p:nvCxnSpPr>
+          <p:cNvPr id="45" name="直接箭头连接符 44"/>
+          <p:cNvCxnSpPr/>
+          <p:nvPr/>
+        </p:nvCxnSpPr>
+        <p:spPr>
+          <a:xfrm>
+            <a:off x="7978877" y="2004273"/>
+            <a:ext cx="0" cy="302155"/>
+          </a:xfrm>
+          <a:prstGeom prst="straightConnector1">
+            <a:avLst/>
+          </a:prstGeom>
+          <a:ln w="12700">
+            <a:solidFill>
+              <a:schemeClr val="tx1"/>
+            </a:solidFill>
+            <a:tailEnd type="triangle"/>
+          </a:ln>
+        </p:spPr>
+        <p:style>
+          <a:lnRef idx="1">
+            <a:schemeClr val="accent1"/>
+          </a:lnRef>
+          <a:fillRef idx="0">
+            <a:schemeClr val="accent1"/>
+          </a:fillRef>
+          <a:effectRef idx="0">
+            <a:schemeClr val="accent1"/>
+          </a:effectRef>
+          <a:fontRef idx="minor">
+            <a:schemeClr val="tx1"/>
+          </a:fontRef>
+        </p:style>
+      </p:cxnSp>
+    </p:spTree>
+    <p:extLst>
+      <p:ext uri="{BB962C8B-B14F-4D97-AF65-F5344CB8AC3E}">
+        <p14:creationId xmlns:p14="http://schemas.microsoft.com/office/powerpoint/2010/main" val="4267822235"/>
+      </p:ext>
+    </p:extLst>
+  </p:cSld>
+  <p:clrMapOvr>
+    <a:masterClrMapping/>
+  </p:clrMapOvr>
+</p:sld>
+</file>
+
+<file path=ppt/slides/slide8.xml><?xml version="1.0" encoding="utf-8"?>
+<p:sld xmlns:a="http://schemas.openxmlformats.org/drawingml/2006/main" xmlns:r="http://schemas.openxmlformats.org/officeDocument/2006/relationships" xmlns:p="http://schemas.openxmlformats.org/presentationml/2006/main">
+  <p:cSld>
+    <p:spTree>
+      <p:nvGrpSpPr>
+        <p:cNvPr id="1" name=""/>
+        <p:cNvGrpSpPr/>
+        <p:nvPr/>
+      </p:nvGrpSpPr>
+      <p:grpSpPr>
+        <a:xfrm>
+          <a:off x="0" y="0"/>
+          <a:ext cx="0" cy="0"/>
+          <a:chOff x="0" y="0"/>
+          <a:chExt cx="0" cy="0"/>
+        </a:xfrm>
+      </p:grpSpPr>
+      <p:sp>
+        <p:nvSpPr>
+          <p:cNvPr id="51" name="矩形 50"/>
+          <p:cNvSpPr/>
+          <p:nvPr/>
+        </p:nvSpPr>
+        <p:spPr>
+          <a:xfrm>
+            <a:off x="5172688" y="1411281"/>
+            <a:ext cx="1586975" cy="464540"/>
+          </a:xfrm>
+          <a:prstGeom prst="rect">
+            <a:avLst/>
+          </a:prstGeom>
+          <a:solidFill>
+            <a:schemeClr val="bg1"/>
+          </a:solidFill>
+          <a:ln>
+            <a:solidFill>
+              <a:schemeClr val="tx1"/>
+            </a:solidFill>
+          </a:ln>
+        </p:spPr>
+        <p:style>
+          <a:lnRef idx="2">
+            <a:schemeClr val="accent1">
+              <a:shade val="50000"/>
+            </a:schemeClr>
+          </a:lnRef>
+          <a:fillRef idx="1">
+            <a:schemeClr val="accent1"/>
+          </a:fillRef>
+          <a:effectRef idx="0">
+            <a:schemeClr val="accent1"/>
+          </a:effectRef>
+          <a:fontRef idx="minor">
+            <a:schemeClr val="lt1"/>
+          </a:fontRef>
+        </p:style>
+        <p:txBody>
+          <a:bodyPr rtlCol="0" anchor="ctr"/>
+          <a:lstStyle/>
+          <a:p>
+            <a:pPr algn="ctr"/>
+            <a:r>
+              <a:rPr lang="zh-CN" altLang="en-US" dirty="0">
+                <a:solidFill>
+                  <a:schemeClr val="tx1"/>
+                </a:solidFill>
+              </a:rPr>
+              <a:t>登</a:t>
+            </a:r>
+            <a:r>
+              <a:rPr lang="zh-CN" altLang="en-US" dirty="0" smtClean="0">
+                <a:solidFill>
+                  <a:schemeClr val="tx1"/>
+                </a:solidFill>
+              </a:rPr>
+              <a:t>陆</a:t>
+            </a:r>
+            <a:r>
+              <a:rPr lang="en-US" altLang="zh-CN" dirty="0" smtClean="0">
+                <a:solidFill>
+                  <a:schemeClr val="tx1"/>
+                </a:solidFill>
+              </a:rPr>
+              <a:t>/</a:t>
+            </a:r>
+            <a:r>
+              <a:rPr lang="zh-CN" altLang="en-US" dirty="0" smtClean="0">
+                <a:solidFill>
+                  <a:schemeClr val="tx1"/>
+                </a:solidFill>
+              </a:rPr>
+              <a:t>注册</a:t>
+            </a:r>
+            <a:endParaRPr lang="zh-CN" altLang="en-US" dirty="0">
+              <a:solidFill>
+                <a:schemeClr val="tx1"/>
+              </a:solidFill>
+            </a:endParaRPr>
+          </a:p>
+        </p:txBody>
+      </p:sp>
+      <p:sp>
+        <p:nvSpPr>
+          <p:cNvPr id="52" name="矩形 51"/>
+          <p:cNvSpPr/>
+          <p:nvPr/>
+        </p:nvSpPr>
+        <p:spPr>
+          <a:xfrm>
+            <a:off x="3626712" y="2306438"/>
+            <a:ext cx="589138" cy="2161060"/>
+          </a:xfrm>
+          <a:prstGeom prst="rect">
+            <a:avLst/>
+          </a:prstGeom>
+          <a:solidFill>
+            <a:schemeClr val="bg1"/>
+          </a:solidFill>
+          <a:ln>
+            <a:solidFill>
+              <a:schemeClr val="tx1"/>
+            </a:solidFill>
+          </a:ln>
+        </p:spPr>
+        <p:style>
+          <a:lnRef idx="2">
+            <a:schemeClr val="accent1">
+              <a:shade val="50000"/>
+            </a:schemeClr>
+          </a:lnRef>
+          <a:fillRef idx="1">
+            <a:schemeClr val="accent1"/>
+          </a:fillRef>
+          <a:effectRef idx="0">
+            <a:schemeClr val="accent1"/>
+          </a:effectRef>
+          <a:fontRef idx="minor">
+            <a:schemeClr val="lt1"/>
+          </a:fontRef>
+        </p:style>
+        <p:txBody>
+          <a:bodyPr rtlCol="0" anchor="ctr"/>
+          <a:lstStyle/>
+          <a:p>
+            <a:pPr algn="ctr"/>
+            <a:r>
+              <a:rPr lang="zh-CN" altLang="en-US" dirty="0">
+                <a:solidFill>
+                  <a:schemeClr val="tx1"/>
+                </a:solidFill>
+              </a:rPr>
+              <a:t>微</a:t>
+            </a:r>
+            <a:r>
+              <a:rPr lang="zh-CN" altLang="en-US" dirty="0" smtClean="0">
+                <a:solidFill>
+                  <a:schemeClr val="tx1"/>
+                </a:solidFill>
+              </a:rPr>
+              <a:t>信账号绑定</a:t>
+            </a:r>
+            <a:endParaRPr lang="zh-CN" altLang="en-US" dirty="0">
+              <a:solidFill>
+                <a:schemeClr val="tx1"/>
+              </a:solidFill>
+            </a:endParaRPr>
+          </a:p>
+        </p:txBody>
+      </p:sp>
+      <p:sp>
+        <p:nvSpPr>
+          <p:cNvPr id="53" name="矩形 52"/>
+          <p:cNvSpPr/>
+          <p:nvPr/>
+        </p:nvSpPr>
+        <p:spPr>
+          <a:xfrm>
+            <a:off x="7754748" y="2306437"/>
+            <a:ext cx="589138" cy="2161061"/>
+          </a:xfrm>
+          <a:prstGeom prst="rect">
+            <a:avLst/>
+          </a:prstGeom>
+          <a:solidFill>
+            <a:schemeClr val="bg1"/>
+          </a:solidFill>
+          <a:ln>
+            <a:solidFill>
+              <a:schemeClr val="tx1"/>
+            </a:solidFill>
+          </a:ln>
+        </p:spPr>
+        <p:style>
+          <a:lnRef idx="2">
+            <a:schemeClr val="accent1">
+              <a:shade val="50000"/>
+            </a:schemeClr>
+          </a:lnRef>
+          <a:fillRef idx="1">
+            <a:schemeClr val="accent1"/>
+          </a:fillRef>
+          <a:effectRef idx="0">
+            <a:schemeClr val="accent1"/>
+          </a:effectRef>
+          <a:fontRef idx="minor">
+            <a:schemeClr val="lt1"/>
+          </a:fontRef>
+        </p:style>
+        <p:txBody>
+          <a:bodyPr rtlCol="0" anchor="ctr"/>
+          <a:lstStyle/>
+          <a:p>
+            <a:pPr algn="ctr"/>
+            <a:r>
+              <a:rPr lang="zh-CN" altLang="en-US" dirty="0" smtClean="0">
+                <a:solidFill>
+                  <a:schemeClr val="tx1"/>
+                </a:solidFill>
+              </a:rPr>
+              <a:t>注册</a:t>
+            </a:r>
+            <a:endParaRPr lang="zh-CN" altLang="en-US" dirty="0">
+              <a:solidFill>
+                <a:schemeClr val="tx1"/>
+              </a:solidFill>
+            </a:endParaRPr>
+          </a:p>
+        </p:txBody>
+      </p:sp>
+      <p:cxnSp>
+        <p:nvCxnSpPr>
+          <p:cNvPr id="54" name="直接连接符 53"/>
+          <p:cNvCxnSpPr/>
+          <p:nvPr/>
+        </p:nvCxnSpPr>
+        <p:spPr>
+          <a:xfrm>
+            <a:off x="3906754" y="1996334"/>
+            <a:ext cx="4112056" cy="7950"/>
+          </a:xfrm>
+          <a:prstGeom prst="line">
+            <a:avLst/>
+          </a:prstGeom>
+          <a:ln w="12700">
+            <a:solidFill>
+              <a:schemeClr val="tx1"/>
+            </a:solidFill>
+          </a:ln>
+        </p:spPr>
+        <p:style>
+          <a:lnRef idx="1">
+            <a:schemeClr val="accent1"/>
+          </a:lnRef>
+          <a:fillRef idx="0">
+            <a:schemeClr val="accent1"/>
+          </a:fillRef>
+          <a:effectRef idx="0">
+            <a:schemeClr val="accent1"/>
+          </a:effectRef>
+          <a:fontRef idx="minor">
+            <a:schemeClr val="tx1"/>
+          </a:fontRef>
+        </p:style>
+      </p:cxnSp>
+      <p:cxnSp>
+        <p:nvCxnSpPr>
+          <p:cNvPr id="55" name="直接箭头连接符 54"/>
+          <p:cNvCxnSpPr/>
+          <p:nvPr/>
+        </p:nvCxnSpPr>
+        <p:spPr>
+          <a:xfrm>
+            <a:off x="3902444" y="2004284"/>
+            <a:ext cx="0" cy="302155"/>
+          </a:xfrm>
+          <a:prstGeom prst="straightConnector1">
+            <a:avLst/>
+          </a:prstGeom>
+          <a:ln w="12700">
+            <a:solidFill>
+              <a:schemeClr val="tx1"/>
+            </a:solidFill>
+            <a:tailEnd type="triangle"/>
+          </a:ln>
+        </p:spPr>
+        <p:style>
+          <a:lnRef idx="1">
+            <a:schemeClr val="accent1"/>
+          </a:lnRef>
+          <a:fillRef idx="0">
+            <a:schemeClr val="accent1"/>
+          </a:fillRef>
+          <a:effectRef idx="0">
+            <a:schemeClr val="accent1"/>
+          </a:effectRef>
+          <a:fontRef idx="minor">
+            <a:schemeClr val="tx1"/>
+          </a:fontRef>
+        </p:style>
+      </p:cxnSp>
+      <p:cxnSp>
+        <p:nvCxnSpPr>
+          <p:cNvPr id="56" name="直接箭头连接符 55"/>
+          <p:cNvCxnSpPr/>
+          <p:nvPr/>
+        </p:nvCxnSpPr>
+        <p:spPr>
+          <a:xfrm>
+            <a:off x="8018066" y="2004273"/>
             <a:ext cx="0" cy="302155"/>
           </a:xfrm>
           <a:prstGeom prst="straightConnector1">
@@ -6762,7 +11163,7 @@
         </p:nvCxnSpPr>
         <p:spPr>
           <a:xfrm>
-            <a:off x="4687979" y="3160016"/>
+            <a:off x="5991106" y="1879845"/>
             <a:ext cx="0" cy="124428"/>
           </a:xfrm>
           <a:prstGeom prst="line">
@@ -6789,24 +11190,93 @@
           </a:fontRef>
         </p:style>
       </p:cxnSp>
+      <p:sp>
+        <p:nvSpPr>
+          <p:cNvPr id="58" name="矩形 57"/>
+          <p:cNvSpPr/>
+          <p:nvPr/>
+        </p:nvSpPr>
+        <p:spPr>
+          <a:xfrm>
+            <a:off x="4981612" y="2306437"/>
+            <a:ext cx="589138" cy="2161061"/>
+          </a:xfrm>
+          <a:prstGeom prst="rect">
+            <a:avLst/>
+          </a:prstGeom>
+          <a:solidFill>
+            <a:schemeClr val="bg1"/>
+          </a:solidFill>
+          <a:ln>
+            <a:solidFill>
+              <a:schemeClr val="tx1"/>
+            </a:solidFill>
+          </a:ln>
+        </p:spPr>
+        <p:style>
+          <a:lnRef idx="2">
+            <a:schemeClr val="accent1">
+              <a:shade val="50000"/>
+            </a:schemeClr>
+          </a:lnRef>
+          <a:fillRef idx="1">
+            <a:schemeClr val="accent1"/>
+          </a:fillRef>
+          <a:effectRef idx="0">
+            <a:schemeClr val="accent1"/>
+          </a:effectRef>
+          <a:fontRef idx="minor">
+            <a:schemeClr val="lt1"/>
+          </a:fontRef>
+        </p:style>
+        <p:txBody>
+          <a:bodyPr rtlCol="0" anchor="ctr"/>
+          <a:lstStyle/>
+          <a:p>
+            <a:pPr algn="ctr"/>
+            <a:r>
+              <a:rPr lang="zh-CN" altLang="en-US" dirty="0">
+                <a:solidFill>
+                  <a:schemeClr val="tx1"/>
+                </a:solidFill>
+              </a:rPr>
+              <a:t>密</a:t>
+            </a:r>
+            <a:r>
+              <a:rPr lang="zh-CN" altLang="en-US" dirty="0" smtClean="0">
+                <a:solidFill>
+                  <a:schemeClr val="tx1"/>
+                </a:solidFill>
+              </a:rPr>
+              <a:t>码登陆</a:t>
+            </a:r>
+            <a:endParaRPr lang="en-US" altLang="zh-CN" dirty="0" smtClean="0">
+              <a:solidFill>
+                <a:schemeClr val="tx1"/>
+              </a:solidFill>
+            </a:endParaRPr>
+          </a:p>
+        </p:txBody>
+      </p:sp>
       <p:cxnSp>
         <p:nvCxnSpPr>
-          <p:cNvPr id="58" name="直接连接符 57"/>
+          <p:cNvPr id="59" name="直接箭头连接符 58"/>
           <p:cNvCxnSpPr/>
           <p:nvPr/>
         </p:nvCxnSpPr>
         <p:spPr>
           <a:xfrm>
-            <a:off x="4385016" y="3284444"/>
-            <a:ext cx="636050" cy="7950"/>
-          </a:xfrm>
-          <a:prstGeom prst="line">
+            <a:off x="5244930" y="2004273"/>
+            <a:ext cx="0" cy="302155"/>
+          </a:xfrm>
+          <a:prstGeom prst="straightConnector1">
             <a:avLst/>
           </a:prstGeom>
           <a:ln w="12700">
             <a:solidFill>
               <a:schemeClr val="tx1"/>
             </a:solidFill>
+            <a:tailEnd type="triangle"/>
           </a:ln>
         </p:spPr>
         <p:style>
@@ -6824,371 +11294,75 @@
           </a:fontRef>
         </p:style>
       </p:cxnSp>
+      <p:sp>
+        <p:nvSpPr>
+          <p:cNvPr id="60" name="矩形 59"/>
+          <p:cNvSpPr/>
+          <p:nvPr/>
+        </p:nvSpPr>
+        <p:spPr>
+          <a:xfrm>
+            <a:off x="6399847" y="2306428"/>
+            <a:ext cx="589138" cy="2161061"/>
+          </a:xfrm>
+          <a:prstGeom prst="rect">
+            <a:avLst/>
+          </a:prstGeom>
+          <a:solidFill>
+            <a:schemeClr val="bg1"/>
+          </a:solidFill>
+          <a:ln>
+            <a:solidFill>
+              <a:schemeClr val="tx1"/>
+            </a:solidFill>
+          </a:ln>
+        </p:spPr>
+        <p:style>
+          <a:lnRef idx="2">
+            <a:schemeClr val="accent1">
+              <a:shade val="50000"/>
+            </a:schemeClr>
+          </a:lnRef>
+          <a:fillRef idx="1">
+            <a:schemeClr val="accent1"/>
+          </a:fillRef>
+          <a:effectRef idx="0">
+            <a:schemeClr val="accent1"/>
+          </a:effectRef>
+          <a:fontRef idx="minor">
+            <a:schemeClr val="lt1"/>
+          </a:fontRef>
+        </p:style>
+        <p:txBody>
+          <a:bodyPr rtlCol="0" anchor="ctr"/>
+          <a:lstStyle/>
+          <a:p>
+            <a:pPr algn="ctr"/>
+            <a:r>
+              <a:rPr lang="zh-CN" altLang="en-US" dirty="0" smtClean="0">
+                <a:solidFill>
+                  <a:schemeClr val="tx1"/>
+                </a:solidFill>
+              </a:rPr>
+              <a:t>微信登陆</a:t>
+            </a:r>
+            <a:endParaRPr lang="en-US" altLang="zh-CN" dirty="0" smtClean="0">
+              <a:solidFill>
+                <a:schemeClr val="tx1"/>
+              </a:solidFill>
+            </a:endParaRPr>
+          </a:p>
+        </p:txBody>
+      </p:sp>
       <p:cxnSp>
         <p:nvCxnSpPr>
-          <p:cNvPr id="60" name="直接箭头连接符 59"/>
+          <p:cNvPr id="61" name="直接箭头连接符 60"/>
           <p:cNvCxnSpPr/>
           <p:nvPr/>
         </p:nvCxnSpPr>
         <p:spPr>
           <a:xfrm>
-            <a:off x="4378128" y="3292394"/>
-            <a:ext cx="0" cy="302155"/>
-          </a:xfrm>
-          <a:prstGeom prst="straightConnector1">
-            <a:avLst/>
-          </a:prstGeom>
-          <a:ln w="12700">
-            <a:solidFill>
-              <a:schemeClr val="tx1"/>
-            </a:solidFill>
-            <a:tailEnd type="triangle"/>
-          </a:ln>
-        </p:spPr>
-        <p:style>
-          <a:lnRef idx="1">
-            <a:schemeClr val="accent1"/>
-          </a:lnRef>
-          <a:fillRef idx="0">
-            <a:schemeClr val="accent1"/>
-          </a:fillRef>
-          <a:effectRef idx="0">
-            <a:schemeClr val="accent1"/>
-          </a:effectRef>
-          <a:fontRef idx="minor">
-            <a:schemeClr val="tx1"/>
-          </a:fontRef>
-        </p:style>
-      </p:cxnSp>
-      <p:cxnSp>
-        <p:nvCxnSpPr>
-          <p:cNvPr id="62" name="直接箭头连接符 61"/>
-          <p:cNvCxnSpPr/>
-          <p:nvPr/>
-        </p:nvCxnSpPr>
-        <p:spPr>
-          <a:xfrm>
-            <a:off x="5015593" y="3292394"/>
-            <a:ext cx="0" cy="302155"/>
-          </a:xfrm>
-          <a:prstGeom prst="straightConnector1">
-            <a:avLst/>
-          </a:prstGeom>
-          <a:ln w="12700">
-            <a:solidFill>
-              <a:schemeClr val="tx1"/>
-            </a:solidFill>
-            <a:tailEnd type="triangle"/>
-          </a:ln>
-        </p:spPr>
-        <p:style>
-          <a:lnRef idx="1">
-            <a:schemeClr val="accent1"/>
-          </a:lnRef>
-          <a:fillRef idx="0">
-            <a:schemeClr val="accent1"/>
-          </a:fillRef>
-          <a:effectRef idx="0">
-            <a:schemeClr val="accent1"/>
-          </a:effectRef>
-          <a:fontRef idx="minor">
-            <a:schemeClr val="tx1"/>
-          </a:fontRef>
-        </p:style>
-      </p:cxnSp>
-      <p:cxnSp>
-        <p:nvCxnSpPr>
-          <p:cNvPr id="64" name="直接连接符 63"/>
-          <p:cNvCxnSpPr/>
-          <p:nvPr/>
-        </p:nvCxnSpPr>
-        <p:spPr>
-          <a:xfrm>
-            <a:off x="6883793" y="3160015"/>
-            <a:ext cx="0" cy="124428"/>
-          </a:xfrm>
-          <a:prstGeom prst="line">
-            <a:avLst/>
-          </a:prstGeom>
-          <a:ln w="12700">
-            <a:solidFill>
-              <a:schemeClr val="tx1"/>
-            </a:solidFill>
-          </a:ln>
-        </p:spPr>
-        <p:style>
-          <a:lnRef idx="1">
-            <a:schemeClr val="accent1"/>
-          </a:lnRef>
-          <a:fillRef idx="0">
-            <a:schemeClr val="accent1"/>
-          </a:fillRef>
-          <a:effectRef idx="0">
-            <a:schemeClr val="accent1"/>
-          </a:effectRef>
-          <a:fontRef idx="minor">
-            <a:schemeClr val="tx1"/>
-          </a:fontRef>
-        </p:style>
-      </p:cxnSp>
-      <p:cxnSp>
-        <p:nvCxnSpPr>
-          <p:cNvPr id="65" name="直接连接符 64"/>
-          <p:cNvCxnSpPr/>
-          <p:nvPr/>
-        </p:nvCxnSpPr>
-        <p:spPr>
-          <a:xfrm>
-            <a:off x="6185337" y="3284443"/>
-            <a:ext cx="1363428" cy="7950"/>
-          </a:xfrm>
-          <a:prstGeom prst="line">
-            <a:avLst/>
-          </a:prstGeom>
-          <a:ln w="12700">
-            <a:solidFill>
-              <a:schemeClr val="tx1"/>
-            </a:solidFill>
-          </a:ln>
-        </p:spPr>
-        <p:style>
-          <a:lnRef idx="1">
-            <a:schemeClr val="accent1"/>
-          </a:lnRef>
-          <a:fillRef idx="0">
-            <a:schemeClr val="accent1"/>
-          </a:fillRef>
-          <a:effectRef idx="0">
-            <a:schemeClr val="accent1"/>
-          </a:effectRef>
-          <a:fontRef idx="minor">
-            <a:schemeClr val="tx1"/>
-          </a:fontRef>
-        </p:style>
-      </p:cxnSp>
-      <p:cxnSp>
-        <p:nvCxnSpPr>
-          <p:cNvPr id="67" name="直接箭头连接符 66"/>
-          <p:cNvCxnSpPr/>
-          <p:nvPr/>
-        </p:nvCxnSpPr>
-        <p:spPr>
-          <a:xfrm>
-            <a:off x="6192278" y="3292393"/>
-            <a:ext cx="0" cy="302155"/>
-          </a:xfrm>
-          <a:prstGeom prst="straightConnector1">
-            <a:avLst/>
-          </a:prstGeom>
-          <a:ln w="12700">
-            <a:solidFill>
-              <a:schemeClr val="tx1"/>
-            </a:solidFill>
-            <a:tailEnd type="triangle"/>
-          </a:ln>
-        </p:spPr>
-        <p:style>
-          <a:lnRef idx="1">
-            <a:schemeClr val="accent1"/>
-          </a:lnRef>
-          <a:fillRef idx="0">
-            <a:schemeClr val="accent1"/>
-          </a:fillRef>
-          <a:effectRef idx="0">
-            <a:schemeClr val="accent1"/>
-          </a:effectRef>
-          <a:fontRef idx="minor">
-            <a:schemeClr val="tx1"/>
-          </a:fontRef>
-        </p:style>
-      </p:cxnSp>
-      <p:cxnSp>
-        <p:nvCxnSpPr>
-          <p:cNvPr id="68" name="直接箭头连接符 67"/>
-          <p:cNvCxnSpPr/>
-          <p:nvPr/>
-        </p:nvCxnSpPr>
-        <p:spPr>
-          <a:xfrm>
-            <a:off x="6883793" y="3292393"/>
-            <a:ext cx="0" cy="302155"/>
-          </a:xfrm>
-          <a:prstGeom prst="straightConnector1">
-            <a:avLst/>
-          </a:prstGeom>
-          <a:ln w="12700">
-            <a:solidFill>
-              <a:schemeClr val="tx1"/>
-            </a:solidFill>
-            <a:tailEnd type="triangle"/>
-          </a:ln>
-        </p:spPr>
-        <p:style>
-          <a:lnRef idx="1">
-            <a:schemeClr val="accent1"/>
-          </a:lnRef>
-          <a:fillRef idx="0">
-            <a:schemeClr val="accent1"/>
-          </a:fillRef>
-          <a:effectRef idx="0">
-            <a:schemeClr val="accent1"/>
-          </a:effectRef>
-          <a:fontRef idx="minor">
-            <a:schemeClr val="tx1"/>
-          </a:fontRef>
-        </p:style>
-      </p:cxnSp>
-      <p:cxnSp>
-        <p:nvCxnSpPr>
-          <p:cNvPr id="69" name="直接箭头连接符 68"/>
-          <p:cNvCxnSpPr/>
-          <p:nvPr/>
-        </p:nvCxnSpPr>
-        <p:spPr>
-          <a:xfrm>
-            <a:off x="7548335" y="3292393"/>
-            <a:ext cx="0" cy="302155"/>
-          </a:xfrm>
-          <a:prstGeom prst="straightConnector1">
-            <a:avLst/>
-          </a:prstGeom>
-          <a:ln w="12700">
-            <a:solidFill>
-              <a:schemeClr val="tx1"/>
-            </a:solidFill>
-            <a:tailEnd type="triangle"/>
-          </a:ln>
-        </p:spPr>
-        <p:style>
-          <a:lnRef idx="1">
-            <a:schemeClr val="accent1"/>
-          </a:lnRef>
-          <a:fillRef idx="0">
-            <a:schemeClr val="accent1"/>
-          </a:fillRef>
-          <a:effectRef idx="0">
-            <a:schemeClr val="accent1"/>
-          </a:effectRef>
-          <a:fontRef idx="minor">
-            <a:schemeClr val="tx1"/>
-          </a:fontRef>
-        </p:style>
-      </p:cxnSp>
-      <p:cxnSp>
-        <p:nvCxnSpPr>
-          <p:cNvPr id="71" name="直接连接符 70"/>
-          <p:cNvCxnSpPr/>
-          <p:nvPr/>
-        </p:nvCxnSpPr>
-        <p:spPr>
-          <a:xfrm>
-            <a:off x="8899773" y="3152622"/>
-            <a:ext cx="0" cy="124428"/>
-          </a:xfrm>
-          <a:prstGeom prst="line">
-            <a:avLst/>
-          </a:prstGeom>
-          <a:ln w="12700">
-            <a:solidFill>
-              <a:schemeClr val="tx1"/>
-            </a:solidFill>
-          </a:ln>
-        </p:spPr>
-        <p:style>
-          <a:lnRef idx="1">
-            <a:schemeClr val="accent1"/>
-          </a:lnRef>
-          <a:fillRef idx="0">
-            <a:schemeClr val="accent1"/>
-          </a:fillRef>
-          <a:effectRef idx="0">
-            <a:schemeClr val="accent1"/>
-          </a:effectRef>
-          <a:fontRef idx="minor">
-            <a:schemeClr val="tx1"/>
-          </a:fontRef>
-        </p:style>
-      </p:cxnSp>
-      <p:cxnSp>
-        <p:nvCxnSpPr>
-          <p:cNvPr id="72" name="直接连接符 71"/>
-          <p:cNvCxnSpPr/>
-          <p:nvPr/>
-        </p:nvCxnSpPr>
-        <p:spPr>
-          <a:xfrm>
-            <a:off x="8490270" y="3277050"/>
-            <a:ext cx="769620" cy="7950"/>
-          </a:xfrm>
-          <a:prstGeom prst="line">
-            <a:avLst/>
-          </a:prstGeom>
-          <a:ln w="12700">
-            <a:solidFill>
-              <a:schemeClr val="tx1"/>
-            </a:solidFill>
-          </a:ln>
-        </p:spPr>
-        <p:style>
-          <a:lnRef idx="1">
-            <a:schemeClr val="accent1"/>
-          </a:lnRef>
-          <a:fillRef idx="0">
-            <a:schemeClr val="accent1"/>
-          </a:fillRef>
-          <a:effectRef idx="0">
-            <a:schemeClr val="accent1"/>
-          </a:effectRef>
-          <a:fontRef idx="minor">
-            <a:schemeClr val="tx1"/>
-          </a:fontRef>
-        </p:style>
-      </p:cxnSp>
-      <p:cxnSp>
-        <p:nvCxnSpPr>
-          <p:cNvPr id="74" name="直接箭头连接符 73"/>
-          <p:cNvCxnSpPr/>
-          <p:nvPr/>
-        </p:nvCxnSpPr>
-        <p:spPr>
-          <a:xfrm>
-            <a:off x="8498221" y="3284442"/>
-            <a:ext cx="0" cy="302155"/>
-          </a:xfrm>
-          <a:prstGeom prst="straightConnector1">
-            <a:avLst/>
-          </a:prstGeom>
-          <a:ln w="12700">
-            <a:solidFill>
-              <a:schemeClr val="tx1"/>
-            </a:solidFill>
-            <a:tailEnd type="triangle"/>
-          </a:ln>
-        </p:spPr>
-        <p:style>
-          <a:lnRef idx="1">
-            <a:schemeClr val="accent1"/>
-          </a:lnRef>
-          <a:fillRef idx="0">
-            <a:schemeClr val="accent1"/>
-          </a:fillRef>
-          <a:effectRef idx="0">
-            <a:schemeClr val="accent1"/>
-          </a:effectRef>
-          <a:fontRef idx="minor">
-            <a:schemeClr val="tx1"/>
-          </a:fontRef>
-        </p:style>
-      </p:cxnSp>
-      <p:cxnSp>
-        <p:nvCxnSpPr>
-          <p:cNvPr id="76" name="直接箭头连接符 75"/>
-          <p:cNvCxnSpPr/>
-          <p:nvPr/>
-        </p:nvCxnSpPr>
-        <p:spPr>
-          <a:xfrm>
-            <a:off x="9259188" y="3285000"/>
+            <a:off x="6663165" y="2004264"/>
             <a:ext cx="0" cy="302155"/>
           </a:xfrm>
           <a:prstGeom prst="straightConnector1">
@@ -7219,7 +11393,7 @@
     </p:spTree>
     <p:extLst>
       <p:ext uri="{BB962C8B-B14F-4D97-AF65-F5344CB8AC3E}">
-        <p14:creationId xmlns:p14="http://schemas.microsoft.com/office/powerpoint/2010/main" val="4224756890"/>
+        <p14:creationId xmlns:p14="http://schemas.microsoft.com/office/powerpoint/2010/main" val="3789911612"/>
       </p:ext>
     </p:extLst>
   </p:cSld>
